--- a/lectures3/Pythonlearn-08-Lists.pptx
+++ b/lectures3/Pythonlearn-08-Lists.pptx
@@ -5613,7 +5613,7 @@
               <a:buNone/>
             </a:pPr>
             <a:r>
-              <a:rPr lang="pl" sz="3200" b="0" i="0" u="none" strike="noStrike" cap="none" baseline="0">
+              <a:rPr lang="pl" sz="3200" b="0" i="0" u="none" strike="noStrike" cap="none" baseline="0" dirty="0">
                 <a:solidFill>
                   <a:srgbClr val="FFFF00"/>
                 </a:solidFill>
@@ -5653,7 +5653,7 @@
               <a:buNone/>
             </a:pPr>
             <a:r>
-              <a:rPr lang="pl" sz="3200" b="0" i="0" u="none" baseline="0">
+              <a:rPr lang="pl" sz="3200" b="0" i="0" u="sng" strike="noStrike" cap="none" baseline="0" dirty="0">
                 <a:solidFill>
                   <a:srgbClr val="FFFF00"/>
                 </a:solidFill>
@@ -5661,10 +5661,24 @@
                 <a:ea typeface="Arial" charset="0"/>
                 <a:cs typeface="Arial" charset="0"/>
                 <a:sym typeface="Cabin"/>
-              </a:rPr>
-              <a:t>www.py4e.com</a:t>
-            </a:r>
-            <a:endParaRPr lang="pl" sz="3200" u="none" strike="noStrike" cap="none" dirty="0">
+                <a:hlinkClick r:id="rId3"/>
+              </a:rPr>
+              <a:t>www.py4e.</a:t>
+            </a:r>
+            <a:r>
+              <a:rPr lang="en-US" sz="3200" b="0" i="0" u="sng" strike="noStrike" cap="none" baseline="0">
+                <a:solidFill>
+                  <a:srgbClr val="FFFF00"/>
+                </a:solidFill>
+                <a:latin typeface="Arial" charset="0"/>
+                <a:ea typeface="Arial" charset="0"/>
+                <a:cs typeface="Arial" charset="0"/>
+                <a:sym typeface="Cabin"/>
+                <a:hlinkClick r:id="rId3"/>
+              </a:rPr>
+              <a:t>pl</a:t>
+            </a:r>
+            <a:endParaRPr lang="pl" sz="3200" u="sng" strike="noStrike" cap="none" dirty="0">
               <a:solidFill>
                 <a:srgbClr val="FFFF00"/>
               </a:solidFill>
@@ -5672,6 +5686,7 @@
               <a:ea typeface="Arial" charset="0"/>
               <a:cs typeface="Arial" charset="0"/>
               <a:sym typeface="Cabin"/>
+              <a:hlinkClick r:id="rId4"/>
             </a:endParaRPr>
           </a:p>
         </p:txBody>
@@ -5683,7 +5698,7 @@
           <p:nvPr/>
         </p:nvPicPr>
         <p:blipFill rotWithShape="1">
-          <a:blip r:embed="rId3">
+          <a:blip r:embed="rId5">
             <a:alphaModFix/>
           </a:blip>
           <a:srcRect/>
@@ -5710,7 +5725,7 @@
           <p:nvPr/>
         </p:nvPicPr>
         <p:blipFill rotWithShape="1">
-          <a:blip r:embed="rId4">
+          <a:blip r:embed="rId6">
             <a:alphaModFix/>
           </a:blip>
           <a:srcRect/>
@@ -6776,7 +6791,7 @@
         <p:spPr>
           <a:xfrm>
             <a:off x="7726200" y="3022600"/>
-            <a:ext cx="7843799" cy="4432199"/>
+            <a:ext cx="8239514" cy="4432199"/>
           </a:xfrm>
           <a:prstGeom prst="rect">
             <a:avLst/>
@@ -6799,7 +6814,7 @@
               <a:buSzPct val="25000"/>
             </a:pPr>
             <a:r>
-              <a:rPr lang="pl" sz="2400" b="0" i="0" u="none" strike="noStrike" cap="none" baseline="0">
+              <a:rPr lang="pl" sz="2400" b="0" i="0" u="none" strike="noStrike" cap="none" baseline="0" dirty="0">
                 <a:solidFill>
                   <a:schemeClr val="lt1"/>
                 </a:solidFill>
@@ -6811,7 +6826,7 @@
               <a:t>&gt;&gt;&gt; </a:t>
             </a:r>
             <a:r>
-              <a:rPr lang="pl" sz="2400" b="0" i="0" u="none" strike="noStrike" cap="none" baseline="0">
+              <a:rPr lang="pl" sz="2400" b="0" i="0" u="none" strike="noStrike" cap="none" baseline="0" dirty="0">
                 <a:solidFill>
                   <a:srgbClr val="FFFF00"/>
                 </a:solidFill>
@@ -6823,7 +6838,7 @@
               <a:t>print(</a:t>
             </a:r>
             <a:r>
-              <a:rPr lang="pl" sz="2400" b="0" i="0" u="none" strike="noStrike" cap="none" baseline="0">
+              <a:rPr lang="pl" sz="2400" b="0" i="0" u="none" strike="noStrike" cap="none" baseline="0" dirty="0">
                 <a:solidFill>
                   <a:srgbClr val="FF00FF"/>
                 </a:solidFill>
@@ -6835,7 +6850,7 @@
               <a:t>range</a:t>
             </a:r>
             <a:r>
-              <a:rPr lang="pl" sz="2400" b="0" i="0" u="none" strike="noStrike" cap="none" baseline="0">
+              <a:rPr lang="pl" sz="2400" b="0" i="0" u="none" strike="noStrike" cap="none" baseline="0" dirty="0">
                 <a:solidFill>
                   <a:schemeClr val="lt1"/>
                 </a:solidFill>
@@ -6847,7 +6862,7 @@
               <a:t>(</a:t>
             </a:r>
             <a:r>
-              <a:rPr lang="pl" sz="2400" b="0" i="0" u="none" strike="noStrike" cap="none" baseline="0">
+              <a:rPr lang="pl" sz="2400" b="0" i="0" u="none" strike="noStrike" cap="none" baseline="0" dirty="0">
                 <a:solidFill>
                   <a:srgbClr val="00FFFF"/>
                 </a:solidFill>
@@ -6859,7 +6874,7 @@
               <a:t>4</a:t>
             </a:r>
             <a:r>
-              <a:rPr lang="pl" sz="2400" b="0" i="0" u="none" strike="noStrike" cap="none" baseline="0">
+              <a:rPr lang="pl" sz="2400" b="0" i="0" u="none" strike="noStrike" cap="none" baseline="0" dirty="0">
                 <a:solidFill>
                   <a:schemeClr val="lt1"/>
                 </a:solidFill>
@@ -6871,7 +6886,7 @@
               <a:t>)</a:t>
             </a:r>
             <a:r>
-              <a:rPr lang="pl" sz="2400" b="0" i="0" u="none" baseline="0">
+              <a:rPr lang="pl" sz="2400" b="0" i="0" u="none" baseline="0" dirty="0">
                 <a:solidFill>
                   <a:srgbClr val="FFFF00"/>
                 </a:solidFill>
@@ -6911,7 +6926,7 @@
               <a:buNone/>
             </a:pPr>
             <a:r>
-              <a:rPr lang="pl" sz="2400" b="0" i="0" u="none" strike="noStrike" cap="none" baseline="0">
+              <a:rPr lang="pl" sz="2400" b="0" i="0" u="none" strike="noStrike" cap="none" baseline="0" dirty="0">
                 <a:solidFill>
                   <a:srgbClr val="FF7F00"/>
                 </a:solidFill>
@@ -6942,7 +6957,7 @@
               <a:buNone/>
             </a:pPr>
             <a:r>
-              <a:rPr lang="pl" sz="2400" b="0" i="0" u="none" strike="noStrike" cap="none" baseline="0">
+              <a:rPr lang="pl" sz="2400" b="0" i="0" u="none" strike="noStrike" cap="none" baseline="0" dirty="0">
                 <a:solidFill>
                   <a:schemeClr val="lt1"/>
                 </a:solidFill>
@@ -6954,7 +6969,7 @@
               <a:t>&gt;&gt;&gt; </a:t>
             </a:r>
             <a:r>
-              <a:rPr lang="pl" sz="2400" b="0" i="0" u="none" strike="noStrike" cap="none" baseline="0">
+              <a:rPr lang="pl" sz="2400" b="0" i="0" u="none" strike="noStrike" cap="none" baseline="0" dirty="0">
                 <a:solidFill>
                   <a:srgbClr val="00FF00"/>
                 </a:solidFill>
@@ -6966,16 +6981,16 @@
               <a:t>friends</a:t>
             </a:r>
             <a:r>
-              <a:rPr lang="pl" sz="2400" b="0" i="0" u="none" strike="noStrike" cap="none" baseline="0">
-                <a:solidFill>
-                  <a:schemeClr val="lt1"/>
-                </a:solidFill>
-                <a:latin typeface="Courier"/>
-                <a:ea typeface="Courier"/>
-                <a:cs typeface="Courier"/>
-                <a:sym typeface="Courier New"/>
-              </a:rPr>
-              <a:t> = ['Józek', 'Gienek', 'Staszek' ]</a:t>
+              <a:rPr lang="pl" sz="2400" b="0" i="0" u="none" strike="noStrike" cap="none" baseline="0" dirty="0">
+                <a:solidFill>
+                  <a:schemeClr val="lt1"/>
+                </a:solidFill>
+                <a:latin typeface="Courier"/>
+                <a:ea typeface="Courier"/>
+                <a:cs typeface="Courier"/>
+                <a:sym typeface="Courier New"/>
+              </a:rPr>
+              <a:t> = ['Józek', 'Gienek', 'Staszek']</a:t>
             </a:r>
           </a:p>
           <a:p>
@@ -6986,7 +7001,7 @@
               <a:buSzPct val="25000"/>
             </a:pPr>
             <a:r>
-              <a:rPr lang="pl" sz="2400" b="0" i="0" u="none" strike="noStrike" cap="none" baseline="0">
+              <a:rPr lang="pl" sz="2400" b="0" i="0" u="none" strike="noStrike" cap="none" baseline="0" dirty="0">
                 <a:solidFill>
                   <a:schemeClr val="lt1"/>
                 </a:solidFill>
@@ -6998,7 +7013,7 @@
               <a:t>&gt;&gt;&gt; </a:t>
             </a:r>
             <a:r>
-              <a:rPr lang="pl" sz="2400" b="0" i="0" u="none" strike="noStrike" cap="none" baseline="0">
+              <a:rPr lang="pl" sz="2400" b="0" i="0" u="none" strike="noStrike" cap="none" baseline="0" dirty="0">
                 <a:solidFill>
                   <a:srgbClr val="FFFF00"/>
                 </a:solidFill>
@@ -7010,7 +7025,7 @@
               <a:t>print(</a:t>
             </a:r>
             <a:r>
-              <a:rPr lang="pl" sz="2400" b="0" i="0" u="none" strike="noStrike" cap="none" baseline="0">
+              <a:rPr lang="pl" sz="2400" b="0" i="0" u="none" strike="noStrike" cap="none" baseline="0" dirty="0">
                 <a:solidFill>
                   <a:srgbClr val="FF00FF"/>
                 </a:solidFill>
@@ -7022,7 +7037,7 @@
               <a:t>len</a:t>
             </a:r>
             <a:r>
-              <a:rPr lang="pl" sz="2400" b="0" i="0" u="none" strike="noStrike" cap="none" baseline="0">
+              <a:rPr lang="pl" sz="2400" b="0" i="0" u="none" strike="noStrike" cap="none" baseline="0" dirty="0">
                 <a:solidFill>
                   <a:schemeClr val="lt1"/>
                 </a:solidFill>
@@ -7034,7 +7049,7 @@
               <a:t>(</a:t>
             </a:r>
             <a:r>
-              <a:rPr lang="pl" sz="2400" b="0" i="0" u="none" strike="noStrike" cap="none" baseline="0">
+              <a:rPr lang="pl" sz="2400" b="0" i="0" u="none" strike="noStrike" cap="none" baseline="0" dirty="0">
                 <a:solidFill>
                   <a:srgbClr val="00FF00"/>
                 </a:solidFill>
@@ -7046,7 +7061,7 @@
               <a:t>friends</a:t>
             </a:r>
             <a:r>
-              <a:rPr lang="pl" sz="2400" b="0" i="0" u="none" strike="noStrike" cap="none" baseline="0">
+              <a:rPr lang="pl" sz="2400" b="0" i="0" u="none" strike="noStrike" cap="none" baseline="0" dirty="0">
                 <a:solidFill>
                   <a:schemeClr val="lt1"/>
                 </a:solidFill>
@@ -7058,7 +7073,7 @@
               <a:t>)</a:t>
             </a:r>
             <a:r>
-              <a:rPr lang="pl" sz="2400" b="0" i="0" u="none" baseline="0">
+              <a:rPr lang="pl" sz="2400" b="0" i="0" u="none" baseline="0" dirty="0">
                 <a:solidFill>
                   <a:srgbClr val="FFFF00"/>
                 </a:solidFill>
@@ -7098,7 +7113,7 @@
               <a:buNone/>
             </a:pPr>
             <a:r>
-              <a:rPr lang="pl" sz="2400" b="0" i="0" u="none" strike="noStrike" cap="none" baseline="0">
+              <a:rPr lang="pl" sz="2400" b="0" i="0" u="none" strike="noStrike" cap="none" baseline="0" dirty="0">
                 <a:solidFill>
                   <a:schemeClr val="lt1"/>
                 </a:solidFill>
@@ -7118,7 +7133,7 @@
               <a:buSzPct val="25000"/>
             </a:pPr>
             <a:r>
-              <a:rPr lang="pl" sz="2400" b="0" i="0" u="none" strike="noStrike" cap="none" baseline="0">
+              <a:rPr lang="pl" sz="2400" b="0" i="0" u="none" strike="noStrike" cap="none" baseline="0" dirty="0">
                 <a:solidFill>
                   <a:schemeClr val="lt1"/>
                 </a:solidFill>
@@ -7130,7 +7145,7 @@
               <a:t>&gt;&gt;&gt; </a:t>
             </a:r>
             <a:r>
-              <a:rPr lang="pl" sz="2400" b="0" i="0" u="none" strike="noStrike" cap="none" baseline="0">
+              <a:rPr lang="pl" sz="2400" b="0" i="0" u="none" strike="noStrike" cap="none" baseline="0" dirty="0">
                 <a:solidFill>
                   <a:srgbClr val="FFFF00"/>
                 </a:solidFill>
@@ -7142,7 +7157,7 @@
               <a:t>print(</a:t>
             </a:r>
             <a:r>
-              <a:rPr lang="pl" sz="2400" b="0" i="0" u="none" strike="noStrike" cap="none" baseline="0">
+              <a:rPr lang="pl" sz="2400" b="0" i="0" u="none" strike="noStrike" cap="none" baseline="0" dirty="0">
                 <a:solidFill>
                   <a:srgbClr val="FF00FF"/>
                 </a:solidFill>
@@ -7154,7 +7169,7 @@
               <a:t>range</a:t>
             </a:r>
             <a:r>
-              <a:rPr lang="pl" sz="2400" b="0" i="0" u="none" strike="noStrike" cap="none" baseline="0">
+              <a:rPr lang="pl" sz="2400" b="0" i="0" u="none" strike="noStrike" cap="none" baseline="0" dirty="0">
                 <a:solidFill>
                   <a:schemeClr val="lt1"/>
                 </a:solidFill>
@@ -7166,7 +7181,7 @@
               <a:t>(</a:t>
             </a:r>
             <a:r>
-              <a:rPr lang="pl" sz="2400" b="0" i="0" u="none" strike="noStrike" cap="none" baseline="0">
+              <a:rPr lang="pl" sz="2400" b="0" i="0" u="none" strike="noStrike" cap="none" baseline="0" dirty="0">
                 <a:solidFill>
                   <a:srgbClr val="FF00FF"/>
                 </a:solidFill>
@@ -7178,7 +7193,7 @@
               <a:t>len</a:t>
             </a:r>
             <a:r>
-              <a:rPr lang="pl" sz="2400" b="0" i="0" u="none" strike="noStrike" cap="none" baseline="0">
+              <a:rPr lang="pl" sz="2400" b="0" i="0" u="none" strike="noStrike" cap="none" baseline="0" dirty="0">
                 <a:solidFill>
                   <a:schemeClr val="lt1"/>
                 </a:solidFill>
@@ -7190,7 +7205,7 @@
               <a:t>(</a:t>
             </a:r>
             <a:r>
-              <a:rPr lang="pl" sz="2400" b="0" i="0" u="none" strike="noStrike" cap="none" baseline="0">
+              <a:rPr lang="pl" sz="2400" b="0" i="0" u="none" strike="noStrike" cap="none" baseline="0" dirty="0">
                 <a:solidFill>
                   <a:srgbClr val="00FF00"/>
                 </a:solidFill>
@@ -7202,7 +7217,7 @@
               <a:t>friends</a:t>
             </a:r>
             <a:r>
-              <a:rPr lang="pl" sz="2400" b="0" i="0" u="none" strike="noStrike" cap="none" baseline="0">
+              <a:rPr lang="pl" sz="2400" b="0" i="0" u="none" strike="noStrike" cap="none" baseline="0" dirty="0">
                 <a:solidFill>
                   <a:schemeClr val="lt1"/>
                 </a:solidFill>
@@ -7214,7 +7229,7 @@
               <a:t>))</a:t>
             </a:r>
             <a:r>
-              <a:rPr lang="pl" sz="2400" b="0" i="0" u="none" baseline="0">
+              <a:rPr lang="pl" sz="2400" b="0" i="0" u="none" baseline="0" dirty="0">
                 <a:solidFill>
                   <a:srgbClr val="FFFF00"/>
                 </a:solidFill>
@@ -7254,7 +7269,7 @@
               <a:buNone/>
             </a:pPr>
             <a:r>
-              <a:rPr lang="pl" sz="2400" b="0" i="0" u="none" strike="noStrike" cap="none" baseline="0">
+              <a:rPr lang="pl" sz="2400" b="0" i="0" u="none" strike="noStrike" cap="none" baseline="0" dirty="0">
                 <a:solidFill>
                   <a:srgbClr val="FF7F00"/>
                 </a:solidFill>
@@ -7285,7 +7300,7 @@
               <a:buNone/>
             </a:pPr>
             <a:r>
-              <a:rPr lang="pl" sz="2400" b="0" i="0" u="none" strike="noStrike" cap="none" baseline="0">
+              <a:rPr lang="pl" sz="2400" b="0" i="0" u="none" strike="noStrike" cap="none" baseline="0" dirty="0">
                 <a:solidFill>
                   <a:schemeClr val="lt1"/>
                 </a:solidFill>
@@ -7389,8 +7404,8 @@
         </p:nvSpPr>
         <p:spPr>
           <a:xfrm>
-            <a:off x="584950" y="3118400"/>
-            <a:ext cx="7175700" cy="3594900"/>
+            <a:off x="647486" y="2774550"/>
+            <a:ext cx="8355850" cy="3594900"/>
           </a:xfrm>
           <a:prstGeom prst="rect">
             <a:avLst/>
@@ -7424,7 +7439,7 @@
               <a:buNone/>
             </a:pPr>
             <a:r>
-              <a:rPr lang="pl" sz="2400" b="0" i="0" u="none" strike="noStrike" cap="none" baseline="0">
+              <a:rPr lang="pl" sz="2000" b="0" i="0" u="none" strike="noStrike" cap="none" baseline="0" dirty="0">
                 <a:solidFill>
                   <a:srgbClr val="00FF00"/>
                 </a:solidFill>
@@ -7436,7 +7451,7 @@
               <a:t>friends</a:t>
             </a:r>
             <a:r>
-              <a:rPr lang="pl" sz="2400" b="0" i="0" u="none" strike="noStrike" cap="none" baseline="0">
+              <a:rPr lang="pl" sz="2000" b="0" i="0" u="none" strike="noStrike" cap="none" baseline="0" dirty="0">
                 <a:solidFill>
                   <a:schemeClr val="lt1"/>
                 </a:solidFill>
@@ -7461,7 +7476,7 @@
               </a:spcAft>
               <a:buNone/>
             </a:pPr>
-            <a:endParaRPr sz="2400" i="0" u="none" strike="noStrike" cap="none" dirty="0">
+            <a:endParaRPr sz="2000" i="0" u="none" strike="noStrike" cap="none" dirty="0">
               <a:solidFill>
                 <a:schemeClr val="lt1"/>
               </a:solidFill>
@@ -7490,7 +7505,7 @@
               <a:buNone/>
             </a:pPr>
             <a:r>
-              <a:rPr lang="pl" sz="2400" b="0" i="0" u="none" strike="noStrike" cap="none" baseline="0">
+              <a:rPr lang="pl" sz="2000" b="0" i="0" u="none" strike="noStrike" cap="none" baseline="0" dirty="0">
                 <a:solidFill>
                   <a:srgbClr val="FFFF00"/>
                 </a:solidFill>
@@ -7502,7 +7517,7 @@
               <a:t>for</a:t>
             </a:r>
             <a:r>
-              <a:rPr lang="pl" sz="2400" b="0" i="0" u="none" strike="noStrike" cap="none" baseline="0">
+              <a:rPr lang="pl" sz="2000" b="0" i="0" u="none" strike="noStrike" cap="none" baseline="0" dirty="0">
                 <a:solidFill>
                   <a:schemeClr val="lt1"/>
                 </a:solidFill>
@@ -7514,7 +7529,7 @@
               <a:t> </a:t>
             </a:r>
             <a:r>
-              <a:rPr lang="pl" sz="2400" b="0" i="0" u="none" strike="noStrike" cap="none" baseline="0">
+              <a:rPr lang="pl" sz="2000" b="0" i="0" u="none" strike="noStrike" cap="none" baseline="0" dirty="0">
                 <a:solidFill>
                   <a:srgbClr val="FF7F00"/>
                 </a:solidFill>
@@ -7526,7 +7541,7 @@
               <a:t>friend</a:t>
             </a:r>
             <a:r>
-              <a:rPr lang="pl" sz="2400" b="0" i="0" u="none" strike="noStrike" cap="none" baseline="0">
+              <a:rPr lang="pl" sz="2000" b="0" i="0" u="none" strike="noStrike" cap="none" baseline="0" dirty="0">
                 <a:solidFill>
                   <a:schemeClr val="lt1"/>
                 </a:solidFill>
@@ -7538,7 +7553,7 @@
               <a:t> </a:t>
             </a:r>
             <a:r>
-              <a:rPr lang="pl" sz="2400" b="0" i="0" u="none" strike="noStrike" cap="none" baseline="0">
+              <a:rPr lang="pl" sz="2000" b="0" i="0" u="none" strike="noStrike" cap="none" baseline="0" dirty="0">
                 <a:solidFill>
                   <a:srgbClr val="FFFF00"/>
                 </a:solidFill>
@@ -7550,7 +7565,7 @@
               <a:t>in</a:t>
             </a:r>
             <a:r>
-              <a:rPr lang="pl" sz="2400" b="0" i="0" u="none" strike="noStrike" cap="none" baseline="0">
+              <a:rPr lang="pl" sz="2000" b="0" i="0" u="none" strike="noStrike" cap="none" baseline="0" dirty="0">
                 <a:solidFill>
                   <a:schemeClr val="lt1"/>
                 </a:solidFill>
@@ -7562,7 +7577,7 @@
               <a:t> </a:t>
             </a:r>
             <a:r>
-              <a:rPr lang="pl" sz="2400" b="0" i="0" u="none" strike="noStrike" cap="none" baseline="0">
+              <a:rPr lang="pl" sz="2000" b="0" i="0" u="none" strike="noStrike" cap="none" baseline="0" dirty="0">
                 <a:solidFill>
                   <a:srgbClr val="00FF00"/>
                 </a:solidFill>
@@ -7574,7 +7589,7 @@
               <a:t>friends </a:t>
             </a:r>
             <a:r>
-              <a:rPr lang="pl" sz="2400" b="0" i="0" u="none" strike="noStrike" cap="none" baseline="0">
+              <a:rPr lang="pl" sz="2000" b="0" i="0" u="none" strike="noStrike" cap="none" baseline="0" dirty="0">
                 <a:solidFill>
                   <a:schemeClr val="lt1"/>
                 </a:solidFill>
@@ -7594,7 +7609,7 @@
               <a:buSzPct val="25000"/>
             </a:pPr>
             <a:r>
-              <a:rPr lang="pl" sz="2400" b="0" i="0" u="none" strike="noStrike" cap="none" baseline="0">
+              <a:rPr lang="pl" sz="2000" b="0" i="0" u="none" strike="noStrike" cap="none" baseline="0" dirty="0">
                 <a:solidFill>
                   <a:schemeClr val="lt1"/>
                 </a:solidFill>
@@ -7606,7 +7621,19 @@
               <a:t>   </a:t>
             </a:r>
             <a:r>
-              <a:rPr lang="pl" sz="2400" b="0" i="0" u="none" strike="noStrike" cap="none" baseline="0">
+              <a:rPr lang="en-US" sz="2000" b="0" i="0" u="none" strike="noStrike" cap="none" baseline="0" dirty="0">
+                <a:solidFill>
+                  <a:schemeClr val="lt1"/>
+                </a:solidFill>
+                <a:latin typeface="Courier"/>
+                <a:ea typeface="Courier"/>
+                <a:cs typeface="Courier"/>
+                <a:sym typeface="Courier New"/>
+              </a:rPr>
+              <a:t> </a:t>
+            </a:r>
+            <a:r>
+              <a:rPr lang="pl" sz="2000" b="0" i="0" u="none" strike="noStrike" cap="none" baseline="0" dirty="0">
                 <a:solidFill>
                   <a:srgbClr val="FFFF00"/>
                 </a:solidFill>
@@ -7618,7 +7645,7 @@
               <a:t>print(</a:t>
             </a:r>
             <a:r>
-              <a:rPr lang="pl" sz="2400" b="0" i="0" u="none" strike="noStrike" cap="none" baseline="0">
+              <a:rPr lang="pl" sz="2000" b="0" i="0" u="none" strike="noStrike" cap="none" baseline="0" dirty="0">
                 <a:solidFill>
                   <a:schemeClr val="lt1"/>
                 </a:solidFill>
@@ -7630,7 +7657,7 @@
               <a:t>'Szczęśliwego Nowego Roku:', </a:t>
             </a:r>
             <a:r>
-              <a:rPr lang="pl" sz="2400" b="0" i="0" u="none" strike="noStrike" cap="none" baseline="0">
+              <a:rPr lang="pl" sz="2000" b="0" i="0" u="none" strike="noStrike" cap="none" baseline="0" dirty="0">
                 <a:solidFill>
                   <a:srgbClr val="FF7F00"/>
                 </a:solidFill>
@@ -7642,7 +7669,7 @@
               <a:t>friend</a:t>
             </a:r>
             <a:r>
-              <a:rPr lang="pl" sz="2400" b="0" i="0" u="none" baseline="0">
+              <a:rPr lang="pl" sz="2000" b="0" i="0" u="none" baseline="0" dirty="0">
                 <a:solidFill>
                   <a:srgbClr val="FFFF00"/>
                 </a:solidFill>
@@ -7653,7 +7680,7 @@
               </a:rPr>
               <a:t>)</a:t>
             </a:r>
-            <a:endParaRPr lang="pl" sz="2400" i="0" u="none" strike="noStrike" cap="none" dirty="0">
+            <a:endParaRPr lang="pl" sz="2000" i="0" u="none" strike="noStrike" cap="none" dirty="0">
               <a:solidFill>
                 <a:srgbClr val="FF7F00"/>
               </a:solidFill>
@@ -7676,7 +7703,7 @@
               </a:spcAft>
               <a:buNone/>
             </a:pPr>
-            <a:endParaRPr sz="2400" i="0" u="none" strike="noStrike" cap="none" dirty="0">
+            <a:endParaRPr sz="2000" i="0" u="none" strike="noStrike" cap="none" dirty="0">
               <a:solidFill>
                 <a:srgbClr val="00FF00"/>
               </a:solidFill>
@@ -7705,7 +7732,7 @@
               <a:buNone/>
             </a:pPr>
             <a:r>
-              <a:rPr lang="pl" sz="2400" b="0" i="0" u="none" strike="noStrike" cap="none" baseline="0">
+              <a:rPr lang="pl" sz="2000" b="0" i="0" u="none" strike="noStrike" cap="none" baseline="0" dirty="0">
                 <a:solidFill>
                   <a:srgbClr val="FFFF00"/>
                 </a:solidFill>
@@ -7717,7 +7744,7 @@
               <a:t>for</a:t>
             </a:r>
             <a:r>
-              <a:rPr lang="pl" sz="2400" b="0" i="0" u="none" strike="noStrike" cap="none" baseline="0">
+              <a:rPr lang="pl" sz="2000" b="0" i="0" u="none" strike="noStrike" cap="none" baseline="0" dirty="0">
                 <a:solidFill>
                   <a:schemeClr val="lt1"/>
                 </a:solidFill>
@@ -7729,7 +7756,7 @@
               <a:t> </a:t>
             </a:r>
             <a:r>
-              <a:rPr lang="pl" sz="2400" b="0" i="0" u="none" strike="noStrike" cap="none" baseline="0">
+              <a:rPr lang="pl" sz="2000" b="0" i="0" u="none" strike="noStrike" cap="none" baseline="0" dirty="0">
                 <a:solidFill>
                   <a:srgbClr val="00FF00"/>
                 </a:solidFill>
@@ -7741,7 +7768,7 @@
               <a:t>i</a:t>
             </a:r>
             <a:r>
-              <a:rPr lang="pl" sz="2400" b="0" i="0" u="none" strike="noStrike" cap="none" baseline="0">
+              <a:rPr lang="pl" sz="2000" b="0" i="0" u="none" strike="noStrike" cap="none" baseline="0" dirty="0">
                 <a:solidFill>
                   <a:schemeClr val="lt1"/>
                 </a:solidFill>
@@ -7753,7 +7780,7 @@
               <a:t> </a:t>
             </a:r>
             <a:r>
-              <a:rPr lang="pl" sz="2400" b="0" i="0" u="none" strike="noStrike" cap="none" baseline="0">
+              <a:rPr lang="pl" sz="2000" b="0" i="0" u="none" strike="noStrike" cap="none" baseline="0" dirty="0">
                 <a:solidFill>
                   <a:srgbClr val="FFFF00"/>
                 </a:solidFill>
@@ -7765,7 +7792,7 @@
               <a:t>in</a:t>
             </a:r>
             <a:r>
-              <a:rPr lang="pl" sz="2400" b="0" i="0" u="none" strike="noStrike" cap="none" baseline="0">
+              <a:rPr lang="pl" sz="2000" b="0" i="0" u="none" strike="noStrike" cap="none" baseline="0" dirty="0">
                 <a:solidFill>
                   <a:schemeClr val="lt1"/>
                 </a:solidFill>
@@ -7777,7 +7804,7 @@
               <a:t> </a:t>
             </a:r>
             <a:r>
-              <a:rPr lang="pl" sz="2400" b="0" i="0" u="none" strike="noStrike" cap="none" baseline="0">
+              <a:rPr lang="pl" sz="2000" b="0" i="0" u="none" strike="noStrike" cap="none" baseline="0" dirty="0">
                 <a:solidFill>
                   <a:srgbClr val="FF00FF"/>
                 </a:solidFill>
@@ -7789,7 +7816,7 @@
               <a:t>range</a:t>
             </a:r>
             <a:r>
-              <a:rPr lang="pl" sz="2400" b="0" i="0" u="none" strike="noStrike" cap="none" baseline="0">
+              <a:rPr lang="pl" sz="2000" b="0" i="0" u="none" strike="noStrike" cap="none" baseline="0" dirty="0">
                 <a:solidFill>
                   <a:schemeClr val="lt1"/>
                 </a:solidFill>
@@ -7801,7 +7828,7 @@
               <a:t>(len(</a:t>
             </a:r>
             <a:r>
-              <a:rPr lang="pl" sz="2400" b="0" i="0" u="none" strike="noStrike" cap="none" baseline="0">
+              <a:rPr lang="pl" sz="2000" b="0" i="0" u="none" strike="noStrike" cap="none" baseline="0" dirty="0">
                 <a:solidFill>
                   <a:srgbClr val="00FF00"/>
                 </a:solidFill>
@@ -7813,7 +7840,7 @@
               <a:t>friends)</a:t>
             </a:r>
             <a:r>
-              <a:rPr lang="pl" sz="2400" b="0" i="0" u="none" strike="noStrike" cap="none" baseline="0">
+              <a:rPr lang="pl" sz="2000" b="0" i="0" u="none" strike="noStrike" cap="none" baseline="0" dirty="0">
                 <a:solidFill>
                   <a:schemeClr val="lt1"/>
                 </a:solidFill>
@@ -7844,7 +7871,7 @@
               <a:buNone/>
             </a:pPr>
             <a:r>
-              <a:rPr lang="pl" sz="2400" b="0" i="0" u="none" strike="noStrike" cap="none" baseline="0">
+              <a:rPr lang="pl" sz="2000" b="0" i="0" u="none" strike="noStrike" cap="none" baseline="0" dirty="0">
                 <a:solidFill>
                   <a:schemeClr val="lt1"/>
                 </a:solidFill>
@@ -7856,7 +7883,7 @@
               <a:t>    </a:t>
             </a:r>
             <a:r>
-              <a:rPr lang="pl" sz="2400" b="0" i="0" u="none" strike="noStrike" cap="none" baseline="0">
+              <a:rPr lang="pl" sz="2000" b="0" i="0" u="none" strike="noStrike" cap="none" baseline="0" dirty="0">
                 <a:solidFill>
                   <a:srgbClr val="FF7F00"/>
                 </a:solidFill>
@@ -7868,7 +7895,7 @@
               <a:t>friend</a:t>
             </a:r>
             <a:r>
-              <a:rPr lang="pl" sz="2400" b="0" i="0" u="none" strike="noStrike" cap="none" baseline="0">
+              <a:rPr lang="pl" sz="2000" b="0" i="0" u="none" strike="noStrike" cap="none" baseline="0" dirty="0">
                 <a:solidFill>
                   <a:schemeClr val="lt1"/>
                 </a:solidFill>
@@ -7880,7 +7907,7 @@
               <a:t> = </a:t>
             </a:r>
             <a:r>
-              <a:rPr lang="pl" sz="2400" b="0" i="0" u="none" strike="noStrike" cap="none" baseline="0">
+              <a:rPr lang="pl" sz="2000" b="0" i="0" u="none" strike="noStrike" cap="none" baseline="0" dirty="0">
                 <a:solidFill>
                   <a:srgbClr val="00FF00"/>
                 </a:solidFill>
@@ -7892,7 +7919,7 @@
               <a:t>friends</a:t>
             </a:r>
             <a:r>
-              <a:rPr lang="pl" sz="2400" b="0" i="0" u="none" strike="noStrike" cap="none" baseline="0">
+              <a:rPr lang="pl" sz="2000" b="0" i="0" u="none" strike="noStrike" cap="none" baseline="0" dirty="0">
                 <a:solidFill>
                   <a:schemeClr val="lt1"/>
                 </a:solidFill>
@@ -7912,7 +7939,7 @@
               <a:buSzPct val="25000"/>
             </a:pPr>
             <a:r>
-              <a:rPr lang="pl" sz="2400" b="0" i="0" u="none" strike="noStrike" cap="none" baseline="0">
+              <a:rPr lang="pl" sz="2000" b="0" i="0" u="none" strike="noStrike" cap="none" baseline="0" dirty="0">
                 <a:solidFill>
                   <a:schemeClr val="lt1"/>
                 </a:solidFill>
@@ -7924,7 +7951,19 @@
               <a:t>   </a:t>
             </a:r>
             <a:r>
-              <a:rPr lang="pl" sz="2400" b="0" i="0" u="none" strike="noStrike" cap="none" baseline="0">
+              <a:rPr lang="en-US" sz="2000" b="0" i="0" u="none" strike="noStrike" cap="none" baseline="0" dirty="0">
+                <a:solidFill>
+                  <a:schemeClr val="lt1"/>
+                </a:solidFill>
+                <a:latin typeface="Courier"/>
+                <a:ea typeface="Courier"/>
+                <a:cs typeface="Courier"/>
+                <a:sym typeface="Courier New"/>
+              </a:rPr>
+              <a:t> </a:t>
+            </a:r>
+            <a:r>
+              <a:rPr lang="pl" sz="2000" b="0" i="0" u="none" strike="noStrike" cap="none" baseline="0" dirty="0">
                 <a:solidFill>
                   <a:srgbClr val="FFFF00"/>
                 </a:solidFill>
@@ -7936,7 +7975,7 @@
               <a:t>print</a:t>
             </a:r>
             <a:r>
-              <a:rPr lang="pl" sz="2400" b="0" i="0" u="none" baseline="0">
+              <a:rPr lang="pl" sz="2000" b="0" i="0" u="none" baseline="0" dirty="0">
                 <a:solidFill>
                   <a:schemeClr val="lt1"/>
                 </a:solidFill>
@@ -7948,7 +7987,7 @@
               <a:t>(</a:t>
             </a:r>
             <a:r>
-              <a:rPr lang="pl" sz="2400" b="0" i="0" u="none" strike="noStrike" cap="none" baseline="0">
+              <a:rPr lang="pl" sz="2000" b="0" i="0" u="none" strike="noStrike" cap="none" baseline="0" dirty="0">
                 <a:solidFill>
                   <a:schemeClr val="lt1"/>
                 </a:solidFill>
@@ -7960,7 +7999,7 @@
               <a:t>'Szczęśliwego Nowego Roku:', </a:t>
             </a:r>
             <a:r>
-              <a:rPr lang="pl" sz="2400" b="0" i="0" u="none" strike="noStrike" cap="none" baseline="0">
+              <a:rPr lang="pl" sz="2000" b="0" i="0" u="none" strike="noStrike" cap="none" baseline="0" dirty="0">
                 <a:solidFill>
                   <a:srgbClr val="FF7F00"/>
                 </a:solidFill>
@@ -7972,7 +8011,7 @@
               <a:t>friend</a:t>
             </a:r>
             <a:r>
-              <a:rPr lang="pl" sz="2400" b="0" i="0" u="none" baseline="0">
+              <a:rPr lang="pl" sz="2000" b="0" i="0" u="none" baseline="0" dirty="0">
                 <a:solidFill>
                   <a:srgbClr val="FFFF00"/>
                 </a:solidFill>
@@ -7983,7 +8022,7 @@
               </a:rPr>
               <a:t>)</a:t>
             </a:r>
-            <a:endParaRPr lang="pl" sz="2400" i="0" u="none" strike="noStrike" cap="none" dirty="0">
+            <a:endParaRPr lang="pl" sz="2000" i="0" u="none" strike="noStrike" cap="none" dirty="0">
               <a:solidFill>
                 <a:srgbClr val="FF7F00"/>
               </a:solidFill>
@@ -8122,8 +8161,8 @@
         </p:nvSpPr>
         <p:spPr>
           <a:xfrm>
-            <a:off x="8105725" y="2509825"/>
-            <a:ext cx="7888800" cy="3324300"/>
+            <a:off x="8128000" y="2509825"/>
+            <a:ext cx="7866525" cy="3324300"/>
           </a:xfrm>
           <a:prstGeom prst="rect">
             <a:avLst/>
@@ -8157,7 +8196,7 @@
               <a:buNone/>
             </a:pPr>
             <a:r>
-              <a:rPr lang="pl" sz="2400" b="0" i="0" u="none" strike="noStrike" cap="none" baseline="0">
+              <a:rPr lang="pl" sz="2000" b="0" i="0" u="none" strike="noStrike" cap="none" baseline="0" dirty="0">
                 <a:solidFill>
                   <a:schemeClr val="lt1"/>
                 </a:solidFill>
@@ -8169,7 +8208,7 @@
               <a:t>&gt;&gt;&gt; </a:t>
             </a:r>
             <a:r>
-              <a:rPr lang="pl" sz="2400" b="0" i="0" u="none" strike="noStrike" cap="none" baseline="0">
+              <a:rPr lang="pl" sz="2000" b="0" i="0" u="none" strike="noStrike" cap="none" baseline="0" dirty="0">
                 <a:solidFill>
                   <a:srgbClr val="00FF00"/>
                 </a:solidFill>
@@ -8181,7 +8220,7 @@
               <a:t>friends</a:t>
             </a:r>
             <a:r>
-              <a:rPr lang="pl" sz="2400" b="0" i="0" u="none" strike="noStrike" cap="none" baseline="0">
+              <a:rPr lang="pl" sz="2000" b="0" i="0" u="none" strike="noStrike" cap="none" baseline="0" dirty="0">
                 <a:solidFill>
                   <a:schemeClr val="lt1"/>
                 </a:solidFill>
@@ -8201,7 +8240,7 @@
               <a:buSzPct val="25000"/>
             </a:pPr>
             <a:r>
-              <a:rPr lang="pl" sz="2400" b="0" i="0" u="none" strike="noStrike" cap="none" baseline="0">
+              <a:rPr lang="pl" sz="2000" b="0" i="0" u="none" strike="noStrike" cap="none" baseline="0" dirty="0">
                 <a:solidFill>
                   <a:schemeClr val="lt1"/>
                 </a:solidFill>
@@ -8213,7 +8252,7 @@
               <a:t>&gt;&gt;&gt; </a:t>
             </a:r>
             <a:r>
-              <a:rPr lang="pl" sz="2400" b="0" i="0" u="none" strike="noStrike" cap="none" baseline="0">
+              <a:rPr lang="pl" sz="2000" b="0" i="0" u="none" strike="noStrike" cap="none" baseline="0" dirty="0">
                 <a:solidFill>
                   <a:srgbClr val="FFFF00"/>
                 </a:solidFill>
@@ -8225,7 +8264,7 @@
               <a:t>print(</a:t>
             </a:r>
             <a:r>
-              <a:rPr lang="pl" sz="2400" b="0" i="0" u="none" strike="noStrike" cap="none" baseline="0">
+              <a:rPr lang="pl" sz="2000" b="0" i="0" u="none" strike="noStrike" cap="none" baseline="0" dirty="0">
                 <a:solidFill>
                   <a:srgbClr val="FF00FF"/>
                 </a:solidFill>
@@ -8237,7 +8276,7 @@
               <a:t>len</a:t>
             </a:r>
             <a:r>
-              <a:rPr lang="pl" sz="2400" b="0" i="0" u="none" strike="noStrike" cap="none" baseline="0">
+              <a:rPr lang="pl" sz="2000" b="0" i="0" u="none" strike="noStrike" cap="none" baseline="0" dirty="0">
                 <a:solidFill>
                   <a:schemeClr val="lt1"/>
                 </a:solidFill>
@@ -8249,7 +8288,7 @@
               <a:t>(</a:t>
             </a:r>
             <a:r>
-              <a:rPr lang="pl" sz="2400" b="0" i="0" u="none" strike="noStrike" cap="none" baseline="0">
+              <a:rPr lang="pl" sz="2000" b="0" i="0" u="none" strike="noStrike" cap="none" baseline="0" dirty="0">
                 <a:solidFill>
                   <a:srgbClr val="00FF00"/>
                 </a:solidFill>
@@ -8261,7 +8300,7 @@
               <a:t>friends</a:t>
             </a:r>
             <a:r>
-              <a:rPr lang="pl" sz="2400" b="0" i="0" u="none" strike="noStrike" cap="none" baseline="0">
+              <a:rPr lang="pl" sz="2000" b="0" i="0" u="none" strike="noStrike" cap="none" baseline="0" dirty="0">
                 <a:solidFill>
                   <a:schemeClr val="lt1"/>
                 </a:solidFill>
@@ -8273,7 +8312,7 @@
               <a:t>)</a:t>
             </a:r>
             <a:r>
-              <a:rPr lang="pl" sz="2400" b="0" i="0" u="none" baseline="0">
+              <a:rPr lang="pl" sz="2000" b="0" i="0" u="none" baseline="0" dirty="0">
                 <a:solidFill>
                   <a:srgbClr val="FFFF00"/>
                 </a:solidFill>
@@ -8284,7 +8323,7 @@
               </a:rPr>
               <a:t>)</a:t>
             </a:r>
-            <a:endParaRPr lang="pl" sz="2400" i="0" u="none" strike="noStrike" cap="none" dirty="0">
+            <a:endParaRPr lang="pl" sz="2000" i="0" u="none" strike="noStrike" cap="none" dirty="0">
               <a:solidFill>
                 <a:schemeClr val="lt1"/>
               </a:solidFill>
@@ -8313,7 +8352,7 @@
               <a:buNone/>
             </a:pPr>
             <a:r>
-              <a:rPr lang="pl" sz="2400" b="0" i="0" u="none" strike="noStrike" cap="none" baseline="0">
+              <a:rPr lang="pl" sz="2000" b="0" i="0" u="none" strike="noStrike" cap="none" baseline="0" dirty="0">
                 <a:solidFill>
                   <a:schemeClr val="lt1"/>
                 </a:solidFill>
@@ -8333,7 +8372,7 @@
               <a:buSzPct val="25000"/>
             </a:pPr>
             <a:r>
-              <a:rPr lang="pl" sz="2400" b="0" i="0" u="none" strike="noStrike" cap="none" baseline="0">
+              <a:rPr lang="pl" sz="2000" b="0" i="0" u="none" strike="noStrike" cap="none" baseline="0" dirty="0">
                 <a:solidFill>
                   <a:schemeClr val="lt1"/>
                 </a:solidFill>
@@ -8345,7 +8384,7 @@
               <a:t>&gt;&gt;&gt; </a:t>
             </a:r>
             <a:r>
-              <a:rPr lang="pl" sz="2400" b="0" i="0" u="none" strike="noStrike" cap="none" baseline="0">
+              <a:rPr lang="pl" sz="2000" b="0" i="0" u="none" strike="noStrike" cap="none" baseline="0" dirty="0">
                 <a:solidFill>
                   <a:srgbClr val="FFFF00"/>
                 </a:solidFill>
@@ -8357,7 +8396,7 @@
               <a:t>print(</a:t>
             </a:r>
             <a:r>
-              <a:rPr lang="pl" sz="2400" b="0" i="0" u="none" strike="noStrike" cap="none" baseline="0">
+              <a:rPr lang="pl" sz="2000" b="0" i="0" u="none" strike="noStrike" cap="none" baseline="0" dirty="0">
                 <a:solidFill>
                   <a:srgbClr val="FF00FF"/>
                 </a:solidFill>
@@ -8369,7 +8408,7 @@
               <a:t>range</a:t>
             </a:r>
             <a:r>
-              <a:rPr lang="pl" sz="2400" b="0" i="0" u="none" strike="noStrike" cap="none" baseline="0">
+              <a:rPr lang="pl" sz="2000" b="0" i="0" u="none" strike="noStrike" cap="none" baseline="0" dirty="0">
                 <a:solidFill>
                   <a:schemeClr val="lt1"/>
                 </a:solidFill>
@@ -8381,7 +8420,7 @@
               <a:t>(</a:t>
             </a:r>
             <a:r>
-              <a:rPr lang="pl" sz="2400" b="0" i="0" u="none" strike="noStrike" cap="none" baseline="0">
+              <a:rPr lang="pl" sz="2000" b="0" i="0" u="none" strike="noStrike" cap="none" baseline="0" dirty="0">
                 <a:solidFill>
                   <a:srgbClr val="FF00FF"/>
                 </a:solidFill>
@@ -8393,7 +8432,7 @@
               <a:t>len</a:t>
             </a:r>
             <a:r>
-              <a:rPr lang="pl" sz="2400" b="0" i="0" u="none" strike="noStrike" cap="none" baseline="0">
+              <a:rPr lang="pl" sz="2000" b="0" i="0" u="none" strike="noStrike" cap="none" baseline="0" dirty="0">
                 <a:solidFill>
                   <a:schemeClr val="lt1"/>
                 </a:solidFill>
@@ -8405,7 +8444,7 @@
               <a:t>(friends))</a:t>
             </a:r>
             <a:r>
-              <a:rPr lang="pl" sz="2400" b="0" i="0" u="none" baseline="0">
+              <a:rPr lang="pl" sz="2000" b="0" i="0" u="none" baseline="0" dirty="0">
                 <a:solidFill>
                   <a:srgbClr val="FFFF00"/>
                 </a:solidFill>
@@ -8416,7 +8455,7 @@
               </a:rPr>
               <a:t>)</a:t>
             </a:r>
-            <a:endParaRPr lang="pl" sz="2400" i="0" u="none" strike="noStrike" cap="none" dirty="0">
+            <a:endParaRPr lang="pl" sz="2000" i="0" u="none" strike="noStrike" cap="none" dirty="0">
               <a:solidFill>
                 <a:schemeClr val="lt1"/>
               </a:solidFill>
@@ -8445,7 +8484,7 @@
               <a:buNone/>
             </a:pPr>
             <a:r>
-              <a:rPr lang="pl" sz="2400" b="0" i="0" u="none" strike="noStrike" cap="none" baseline="0">
+              <a:rPr lang="pl" sz="2000" b="0" i="0" u="none" strike="noStrike" cap="none" baseline="0" dirty="0">
                 <a:solidFill>
                   <a:schemeClr val="lt1"/>
                 </a:solidFill>
@@ -8476,7 +8515,7 @@
               <a:buNone/>
             </a:pPr>
             <a:r>
-              <a:rPr lang="pl" sz="2400" b="0" i="0" u="none" strike="noStrike" cap="none" baseline="0">
+              <a:rPr lang="pl" sz="2000" b="0" i="0" u="none" strike="noStrike" cap="none" baseline="0" dirty="0">
                 <a:solidFill>
                   <a:schemeClr val="lt1"/>
                 </a:solidFill>
@@ -10432,7 +10471,7 @@
               <a:buNone/>
             </a:pPr>
             <a:r>
-              <a:rPr lang="pl" sz="3000" b="0" i="0" u="sng" strike="noStrike" cap="none" baseline="0">
+              <a:rPr lang="pl-PL" sz="3000" b="0" i="0" u="sng" strike="noStrike" cap="none" baseline="0" dirty="0">
                 <a:solidFill>
                   <a:srgbClr val="FFFF00"/>
                 </a:solidFill>
@@ -10442,8 +10481,18 @@
                 <a:sym typeface="Cabin"/>
                 <a:hlinkClick r:id="rId3"/>
               </a:rPr>
-              <a:t>http://docs.python.org/tutorial/datastructures.html</a:t>
-            </a:r>
+              <a:t>https://docs.python.org/3/tutorial/datastructures.html</a:t>
+            </a:r>
+            <a:endParaRPr lang="pl" sz="3000" b="0" i="0" u="sng" strike="noStrike" cap="none" baseline="0" dirty="0">
+              <a:solidFill>
+                <a:srgbClr val="FFFF00"/>
+              </a:solidFill>
+              <a:latin typeface="Arial" charset="0"/>
+              <a:ea typeface="Arial" charset="0"/>
+              <a:cs typeface="Arial" charset="0"/>
+              <a:sym typeface="Cabin"/>
+              <a:hlinkClick r:id="rId4"/>
+            </a:endParaRPr>
           </a:p>
         </p:txBody>
       </p:sp>
@@ -10752,7 +10801,7 @@
               <a:buNone/>
             </a:pPr>
             <a:r>
-              <a:rPr lang="pl" sz="3000" b="0" i="0" u="none" strike="noStrike" cap="none" baseline="0">
+              <a:rPr lang="pl" sz="3000" b="0" i="0" u="none" strike="noStrike" cap="none" baseline="0" dirty="0">
                 <a:solidFill>
                   <a:schemeClr val="lt1"/>
                 </a:solidFill>
@@ -10764,7 +10813,7 @@
               <a:t>&gt;&gt;&gt; </a:t>
             </a:r>
             <a:r>
-              <a:rPr lang="pl" sz="3000" b="0" i="0" u="none" strike="noStrike" cap="none" baseline="0">
+              <a:rPr lang="pl" sz="3000" b="0" i="0" u="none" strike="noStrike" cap="none" baseline="0" dirty="0">
                 <a:solidFill>
                   <a:srgbClr val="00FF00"/>
                 </a:solidFill>
@@ -10776,7 +10825,7 @@
               <a:t>stuff</a:t>
             </a:r>
             <a:r>
-              <a:rPr lang="pl" sz="3000" b="0" i="0" u="none" strike="noStrike" cap="none" baseline="0">
+              <a:rPr lang="pl" sz="3000" b="0" i="0" u="none" strike="noStrike" cap="none" baseline="0" dirty="0">
                 <a:solidFill>
                   <a:schemeClr val="lt1"/>
                 </a:solidFill>
@@ -10788,7 +10837,7 @@
               <a:t> = </a:t>
             </a:r>
             <a:r>
-              <a:rPr lang="pl" sz="3000" b="0" i="0" u="none" strike="noStrike" cap="none" baseline="0">
+              <a:rPr lang="pl" sz="3000" b="0" i="0" u="none" strike="noStrike" cap="none" baseline="0" dirty="0">
                 <a:solidFill>
                   <a:srgbClr val="FF00FF"/>
                 </a:solidFill>
@@ -10800,7 +10849,7 @@
               <a:t>list</a:t>
             </a:r>
             <a:r>
-              <a:rPr lang="pl" sz="3000" b="0" i="0" u="none" strike="noStrike" cap="none" baseline="0">
+              <a:rPr lang="pl" sz="3000" b="0" i="0" u="none" strike="noStrike" cap="none" baseline="0" dirty="0">
                 <a:solidFill>
                   <a:schemeClr val="lt1"/>
                 </a:solidFill>
@@ -10831,7 +10880,7 @@
               <a:buNone/>
             </a:pPr>
             <a:r>
-              <a:rPr lang="pl" sz="3000" b="0" i="0" u="none" strike="noStrike" cap="none" baseline="0">
+              <a:rPr lang="pl" sz="3000" b="0" i="0" u="none" strike="noStrike" cap="none" baseline="0" dirty="0">
                 <a:solidFill>
                   <a:schemeClr val="lt1"/>
                 </a:solidFill>
@@ -10843,7 +10892,7 @@
               <a:t>&gt;&gt;&gt; </a:t>
             </a:r>
             <a:r>
-              <a:rPr lang="pl" sz="3000" b="0" i="0" u="none" strike="noStrike" cap="none" baseline="0">
+              <a:rPr lang="pl" sz="3000" b="0" i="0" u="none" strike="noStrike" cap="none" baseline="0" dirty="0">
                 <a:solidFill>
                   <a:srgbClr val="00FF00"/>
                 </a:solidFill>
@@ -10855,7 +10904,7 @@
               <a:t>stuff</a:t>
             </a:r>
             <a:r>
-              <a:rPr lang="pl" sz="3000" b="0" i="0" u="none" strike="noStrike" cap="none" baseline="0">
+              <a:rPr lang="pl" sz="3000" b="0" i="0" u="none" strike="noStrike" cap="none" baseline="0" dirty="0">
                 <a:solidFill>
                   <a:srgbClr val="FF00FF"/>
                 </a:solidFill>
@@ -10867,7 +10916,7 @@
               <a:t>.append</a:t>
             </a:r>
             <a:r>
-              <a:rPr lang="pl" sz="3000" b="0" i="0" u="none" strike="noStrike" cap="none" baseline="0">
+              <a:rPr lang="pl" sz="3000" b="0" i="0" u="none" strike="noStrike" cap="none" baseline="0" dirty="0">
                 <a:solidFill>
                   <a:schemeClr val="lt1"/>
                 </a:solidFill>
@@ -10898,7 +10947,7 @@
               <a:buNone/>
             </a:pPr>
             <a:r>
-              <a:rPr lang="pl" sz="3000" b="0" i="0" u="none" strike="noStrike" cap="none" baseline="0">
+              <a:rPr lang="pl" sz="3000" b="0" i="0" u="none" strike="noStrike" cap="none" baseline="0" dirty="0">
                 <a:solidFill>
                   <a:schemeClr val="lt1"/>
                 </a:solidFill>
@@ -10910,7 +10959,7 @@
               <a:t>&gt;&gt;&gt; </a:t>
             </a:r>
             <a:r>
-              <a:rPr lang="pl" sz="3000" b="0" i="0" u="none" strike="noStrike" cap="none" baseline="0">
+              <a:rPr lang="pl" sz="3000" b="0" i="0" u="none" strike="noStrike" cap="none" baseline="0" dirty="0">
                 <a:solidFill>
                   <a:srgbClr val="00FF00"/>
                 </a:solidFill>
@@ -10922,7 +10971,7 @@
               <a:t>stuff</a:t>
             </a:r>
             <a:r>
-              <a:rPr lang="pl" sz="3000" b="0" i="0" u="none" strike="noStrike" cap="none" baseline="0">
+              <a:rPr lang="pl" sz="3000" b="0" i="0" u="none" strike="noStrike" cap="none" baseline="0" dirty="0">
                 <a:solidFill>
                   <a:srgbClr val="FF00FF"/>
                 </a:solidFill>
@@ -10934,7 +10983,7 @@
               <a:t>.append</a:t>
             </a:r>
             <a:r>
-              <a:rPr lang="pl" sz="3000" b="0" i="0" u="none" strike="noStrike" cap="none" baseline="0">
+              <a:rPr lang="pl" sz="3000" b="0" i="0" u="none" strike="noStrike" cap="none" baseline="0" dirty="0">
                 <a:solidFill>
                   <a:schemeClr val="lt1"/>
                 </a:solidFill>
@@ -10965,7 +11014,7 @@
               <a:buNone/>
             </a:pPr>
             <a:r>
-              <a:rPr lang="pl" sz="3000" b="0" i="0" u="none" strike="noStrike" cap="none" baseline="0">
+              <a:rPr lang="pl" sz="3000" b="0" i="0" u="none" strike="noStrike" cap="none" baseline="0" dirty="0">
                 <a:solidFill>
                   <a:schemeClr val="lt1"/>
                 </a:solidFill>
@@ -10977,7 +11026,7 @@
               <a:t>&gt;&gt;&gt; </a:t>
             </a:r>
             <a:r>
-              <a:rPr lang="pl" sz="3000" b="0" i="0" u="none" strike="noStrike" cap="none" baseline="0">
+              <a:rPr lang="pl" sz="3000" b="0" i="0" u="none" strike="noStrike" cap="none" baseline="0" dirty="0">
                 <a:solidFill>
                   <a:srgbClr val="FFFF00"/>
                 </a:solidFill>
@@ -10989,7 +11038,7 @@
               <a:t>print(</a:t>
             </a:r>
             <a:r>
-              <a:rPr lang="pl" sz="3000" b="0" i="0" u="none" strike="noStrike" cap="none" baseline="0">
+              <a:rPr lang="pl" sz="3000" b="0" i="0" u="none" strike="noStrike" cap="none" baseline="0" dirty="0">
                 <a:solidFill>
                   <a:srgbClr val="00FF00"/>
                 </a:solidFill>
@@ -11001,7 +11050,7 @@
               <a:t>stuff</a:t>
             </a:r>
             <a:r>
-              <a:rPr lang="pl" sz="3000" b="0" i="0" u="none" strike="noStrike" cap="none" baseline="0">
+              <a:rPr lang="pl" sz="3000" b="0" i="0" u="none" strike="noStrike" cap="none" baseline="0" dirty="0">
                 <a:solidFill>
                   <a:srgbClr val="FFFF00"/>
                 </a:solidFill>
@@ -11032,7 +11081,7 @@
               <a:buNone/>
             </a:pPr>
             <a:r>
-              <a:rPr lang="pl" sz="3000" b="0" i="0" u="none" strike="noStrike" cap="none" baseline="0">
+              <a:rPr lang="pl" sz="3000" b="0" i="0" u="none" strike="noStrike" cap="none" baseline="0" dirty="0">
                 <a:solidFill>
                   <a:schemeClr val="lt1"/>
                 </a:solidFill>
@@ -11063,7 +11112,7 @@
               <a:buNone/>
             </a:pPr>
             <a:r>
-              <a:rPr lang="pl" sz="3000" b="0" i="0" u="none" strike="noStrike" cap="none" baseline="0">
+              <a:rPr lang="pl" sz="3000" b="0" i="0" u="none" strike="noStrike" cap="none" baseline="0" dirty="0">
                 <a:solidFill>
                   <a:schemeClr val="lt1"/>
                 </a:solidFill>
@@ -11075,7 +11124,7 @@
               <a:t>&gt;&gt;&gt; </a:t>
             </a:r>
             <a:r>
-              <a:rPr lang="pl" sz="3000" b="0" i="0" u="none" strike="noStrike" cap="none" baseline="0">
+              <a:rPr lang="pl" sz="3000" b="0" i="0" u="none" strike="noStrike" cap="none" baseline="0" dirty="0">
                 <a:solidFill>
                   <a:srgbClr val="00FF00"/>
                 </a:solidFill>
@@ -11087,7 +11136,7 @@
               <a:t>stuff</a:t>
             </a:r>
             <a:r>
-              <a:rPr lang="pl" sz="3000" b="0" i="0" u="none" strike="noStrike" cap="none" baseline="0">
+              <a:rPr lang="pl" sz="3000" b="0" i="0" u="none" strike="noStrike" cap="none" baseline="0" dirty="0">
                 <a:solidFill>
                   <a:srgbClr val="FF00FF"/>
                 </a:solidFill>
@@ -11099,7 +11148,7 @@
               <a:t>.append</a:t>
             </a:r>
             <a:r>
-              <a:rPr lang="pl" sz="3000" b="0" i="0" u="none" strike="noStrike" cap="none" baseline="0">
+              <a:rPr lang="pl" sz="3000" b="0" i="0" u="none" strike="noStrike" cap="none" baseline="0" dirty="0">
                 <a:solidFill>
                   <a:schemeClr val="lt1"/>
                 </a:solidFill>
@@ -11119,7 +11168,7 @@
               <a:buSzPct val="25000"/>
             </a:pPr>
             <a:r>
-              <a:rPr lang="pl" sz="3000" b="0" i="0" u="none" strike="noStrike" cap="none" baseline="0">
+              <a:rPr lang="pl" sz="3000" b="0" i="0" u="none" strike="noStrike" cap="none" baseline="0" dirty="0">
                 <a:solidFill>
                   <a:schemeClr val="lt1"/>
                 </a:solidFill>
@@ -11131,7 +11180,7 @@
               <a:t>&gt;&gt;&gt; </a:t>
             </a:r>
             <a:r>
-              <a:rPr lang="pl" sz="3000" b="0" i="0" u="none" strike="noStrike" cap="none" baseline="0">
+              <a:rPr lang="pl" sz="3000" b="0" i="0" u="none" strike="noStrike" cap="none" baseline="0" dirty="0">
                 <a:solidFill>
                   <a:srgbClr val="FFFF00"/>
                 </a:solidFill>
@@ -11143,7 +11192,7 @@
               <a:t>print(</a:t>
             </a:r>
             <a:r>
-              <a:rPr lang="pl" sz="3000" b="0" i="0" u="none" strike="noStrike" cap="none" baseline="0">
+              <a:rPr lang="pl" sz="3000" b="0" i="0" u="none" strike="noStrike" cap="none" baseline="0" dirty="0">
                 <a:solidFill>
                   <a:srgbClr val="00FF00"/>
                 </a:solidFill>
@@ -11155,7 +11204,7 @@
               <a:t>stuff</a:t>
             </a:r>
             <a:r>
-              <a:rPr lang="pl" sz="3000" b="0" i="0" u="none" baseline="0">
+              <a:rPr lang="pl" sz="3000" b="0" i="0" u="none" baseline="0" dirty="0">
                 <a:solidFill>
                   <a:srgbClr val="FFFF00"/>
                 </a:solidFill>
@@ -11195,16 +11244,16 @@
               <a:buNone/>
             </a:pPr>
             <a:r>
-              <a:rPr lang="pl" sz="3000" b="0" i="0" u="none" strike="noStrike" cap="none" baseline="0">
-                <a:solidFill>
-                  <a:schemeClr val="lt1"/>
-                </a:solidFill>
-                <a:latin typeface="Courier"/>
-                <a:ea typeface="Courier"/>
-                <a:cs typeface="Courier"/>
-                <a:sym typeface="Courier New"/>
-              </a:rPr>
-              <a:t>['book', 99, 'ciastko']</a:t>
+              <a:rPr lang="pl" sz="3000" b="0" i="0" u="none" strike="noStrike" cap="none" baseline="0" dirty="0">
+                <a:solidFill>
+                  <a:schemeClr val="lt1"/>
+                </a:solidFill>
+                <a:latin typeface="Courier"/>
+                <a:ea typeface="Courier"/>
+                <a:cs typeface="Courier"/>
+                <a:sym typeface="Courier New"/>
+              </a:rPr>
+              <a:t>['książka', 99, 'ciastko']</a:t>
             </a:r>
           </a:p>
         </p:txBody>
@@ -11397,7 +11446,7 @@
               <a:t>To operatory logiczne zwracające wartości </a:t>
             </a:r>
             <a:r>
-              <a:rPr lang="pl" sz="3400" b="0" i="0" u="none" strike="noStrike" cap="none" baseline="0" dirty="0">
+              <a:rPr lang="en-US" sz="3400" b="0" i="0" u="none" strike="noStrike" cap="none" baseline="0" dirty="0">
                 <a:solidFill>
                   <a:srgbClr val="FF00FF"/>
                 </a:solidFill>
@@ -11406,7 +11455,7 @@
                 <a:cs typeface="Arial" charset="0"/>
                 <a:sym typeface="Cabin"/>
               </a:rPr>
-              <a:t>Prawda</a:t>
+              <a:t>True</a:t>
             </a:r>
             <a:r>
               <a:rPr lang="pl" sz="3400" b="0" i="0" u="none" strike="noStrike" cap="none" baseline="0" dirty="0">
@@ -11430,8 +11479,29 @@
                 <a:cs typeface="Arial" charset="0"/>
                 <a:sym typeface="Cabin"/>
               </a:rPr>
-              <a:t>Fałsz</a:t>
-            </a:r>
+              <a:t>Fa</a:t>
+            </a:r>
+            <a:r>
+              <a:rPr lang="en-US" sz="3400" b="0" i="0" u="none" strike="noStrike" cap="none" baseline="0" dirty="0" err="1">
+                <a:solidFill>
+                  <a:srgbClr val="FF00FF"/>
+                </a:solidFill>
+                <a:latin typeface="Arial" charset="0"/>
+                <a:ea typeface="Arial" charset="0"/>
+                <a:cs typeface="Arial" charset="0"/>
+                <a:sym typeface="Cabin"/>
+              </a:rPr>
+              <a:t>lse</a:t>
+            </a:r>
+            <a:endParaRPr lang="pl" sz="3400" b="0" i="0" u="none" strike="noStrike" cap="none" baseline="0" dirty="0">
+              <a:solidFill>
+                <a:srgbClr val="FF00FF"/>
+              </a:solidFill>
+              <a:latin typeface="Arial" charset="0"/>
+              <a:ea typeface="Arial" charset="0"/>
+              <a:cs typeface="Arial" charset="0"/>
+              <a:sym typeface="Cabin"/>
+            </a:endParaRPr>
           </a:p>
           <a:p>
             <a:pPr marL="457200" marR="0" lvl="0" indent="-444500" algn="l" rtl="0">
@@ -11505,7 +11575,7 @@
               <a:buNone/>
             </a:pPr>
             <a:r>
-              <a:rPr lang="pl" sz="3000" b="0" i="0" u="none" strike="noStrike" cap="none" baseline="0">
+              <a:rPr lang="pl" sz="3000" b="0" i="0" u="none" strike="noStrike" cap="none" baseline="0" dirty="0">
                 <a:solidFill>
                   <a:schemeClr val="lt1"/>
                 </a:solidFill>
@@ -11517,7 +11587,7 @@
               <a:t>&gt;&gt;&gt; </a:t>
             </a:r>
             <a:r>
-              <a:rPr lang="pl" sz="3000" b="0" i="0" u="none" strike="noStrike" cap="none" baseline="0">
+              <a:rPr lang="pl" sz="3000" b="0" i="0" u="none" strike="noStrike" cap="none" baseline="0" dirty="0">
                 <a:solidFill>
                   <a:srgbClr val="00FF00"/>
                 </a:solidFill>
@@ -11529,7 +11599,7 @@
               <a:t>some</a:t>
             </a:r>
             <a:r>
-              <a:rPr lang="pl" sz="3000" b="0" i="0" u="none" strike="noStrike" cap="none" baseline="0">
+              <a:rPr lang="pl" sz="3000" b="0" i="0" u="none" strike="noStrike" cap="none" baseline="0" dirty="0">
                 <a:solidFill>
                   <a:schemeClr val="lt1"/>
                 </a:solidFill>
@@ -11541,7 +11611,7 @@
               <a:t> = </a:t>
             </a:r>
             <a:r>
-              <a:rPr lang="pl" sz="3000" b="0" i="0" u="none" strike="noStrike" cap="none" baseline="0">
+              <a:rPr lang="pl" sz="3000" b="0" i="0" u="none" strike="noStrike" cap="none" baseline="0" dirty="0">
                 <a:solidFill>
                   <a:srgbClr val="FF7F00"/>
                 </a:solidFill>
@@ -11572,7 +11642,7 @@
               <a:buNone/>
             </a:pPr>
             <a:r>
-              <a:rPr lang="pl" sz="3000" b="0" i="0" u="none" strike="noStrike" cap="none" baseline="0">
+              <a:rPr lang="pl" sz="3000" b="0" i="0" u="none" strike="noStrike" cap="none" baseline="0" dirty="0">
                 <a:solidFill>
                   <a:schemeClr val="lt1"/>
                 </a:solidFill>
@@ -11584,7 +11654,7 @@
               <a:t>&gt;&gt;&gt; </a:t>
             </a:r>
             <a:r>
-              <a:rPr lang="pl" sz="3000" b="0" i="0" u="none" strike="noStrike" cap="none" baseline="0">
+              <a:rPr lang="pl" sz="3000" b="0" i="0" u="none" strike="noStrike" cap="none" baseline="0" dirty="0">
                 <a:solidFill>
                   <a:srgbClr val="FF7F00"/>
                 </a:solidFill>
@@ -11596,7 +11666,7 @@
               <a:t>9</a:t>
             </a:r>
             <a:r>
-              <a:rPr lang="pl" sz="3000" b="0" i="0" u="none" strike="noStrike" cap="none" baseline="0">
+              <a:rPr lang="pl" sz="3000" b="0" i="0" u="none" strike="noStrike" cap="none" baseline="0" dirty="0">
                 <a:solidFill>
                   <a:schemeClr val="lt1"/>
                 </a:solidFill>
@@ -11608,7 +11678,7 @@
               <a:t> </a:t>
             </a:r>
             <a:r>
-              <a:rPr lang="pl" sz="3000" b="0" i="0" u="none" strike="noStrike" cap="none" baseline="0">
+              <a:rPr lang="pl" sz="3000" b="0" i="0" u="none" strike="noStrike" cap="none" baseline="0" dirty="0">
                 <a:solidFill>
                   <a:srgbClr val="FFFF00"/>
                 </a:solidFill>
@@ -11620,7 +11690,7 @@
               <a:t>in</a:t>
             </a:r>
             <a:r>
-              <a:rPr lang="pl" sz="3000" b="0" i="0" u="none" strike="noStrike" cap="none" baseline="0">
+              <a:rPr lang="pl" sz="3000" b="0" i="0" u="none" strike="noStrike" cap="none" baseline="0" dirty="0">
                 <a:solidFill>
                   <a:schemeClr val="lt1"/>
                 </a:solidFill>
@@ -11632,7 +11702,7 @@
               <a:t> </a:t>
             </a:r>
             <a:r>
-              <a:rPr lang="pl" sz="3000" b="0" i="0" u="none" strike="noStrike" cap="none" baseline="0">
+              <a:rPr lang="pl" sz="3000" b="0" i="0" u="none" strike="noStrike" cap="none" baseline="0" dirty="0">
                 <a:solidFill>
                   <a:srgbClr val="00FF00"/>
                 </a:solidFill>
@@ -11663,7 +11733,7 @@
               <a:buNone/>
             </a:pPr>
             <a:r>
-              <a:rPr lang="pl" sz="3000" b="0" i="0" u="none" strike="noStrike" cap="none" baseline="0">
+              <a:rPr lang="pl" sz="3000" b="0" i="0" u="none" strike="noStrike" cap="none" baseline="0" dirty="0">
                 <a:solidFill>
                   <a:srgbClr val="FF00FF"/>
                 </a:solidFill>
@@ -11694,7 +11764,7 @@
               <a:buNone/>
             </a:pPr>
             <a:r>
-              <a:rPr lang="pl" sz="3000" b="0" i="0" u="none" strike="noStrike" cap="none" baseline="0">
+              <a:rPr lang="pl" sz="3000" b="0" i="0" u="none" strike="noStrike" cap="none" baseline="0" dirty="0">
                 <a:solidFill>
                   <a:schemeClr val="lt1"/>
                 </a:solidFill>
@@ -11706,7 +11776,7 @@
               <a:t>&gt;&gt;&gt; </a:t>
             </a:r>
             <a:r>
-              <a:rPr lang="pl" sz="3000" b="0" i="0" u="none" strike="noStrike" cap="none" baseline="0">
+              <a:rPr lang="pl" sz="3000" b="0" i="0" u="none" strike="noStrike" cap="none" baseline="0" dirty="0">
                 <a:solidFill>
                   <a:srgbClr val="FF7F00"/>
                 </a:solidFill>
@@ -11718,7 +11788,7 @@
               <a:t>15</a:t>
             </a:r>
             <a:r>
-              <a:rPr lang="pl" sz="3000" b="0" i="0" u="none" strike="noStrike" cap="none" baseline="0">
+              <a:rPr lang="pl" sz="3000" b="0" i="0" u="none" strike="noStrike" cap="none" baseline="0" dirty="0">
                 <a:solidFill>
                   <a:schemeClr val="lt1"/>
                 </a:solidFill>
@@ -11730,7 +11800,7 @@
               <a:t> </a:t>
             </a:r>
             <a:r>
-              <a:rPr lang="pl" sz="3000" b="0" i="0" u="none" strike="noStrike" cap="none" baseline="0">
+              <a:rPr lang="pl" sz="3000" b="0" i="0" u="none" strike="noStrike" cap="none" baseline="0" dirty="0">
                 <a:solidFill>
                   <a:srgbClr val="FFFF00"/>
                 </a:solidFill>
@@ -11742,7 +11812,7 @@
               <a:t>in</a:t>
             </a:r>
             <a:r>
-              <a:rPr lang="pl" sz="3000" b="0" i="0" u="none" strike="noStrike" cap="none" baseline="0">
+              <a:rPr lang="pl" sz="3000" b="0" i="0" u="none" strike="noStrike" cap="none" baseline="0" dirty="0">
                 <a:solidFill>
                   <a:schemeClr val="lt1"/>
                 </a:solidFill>
@@ -11754,7 +11824,7 @@
               <a:t> </a:t>
             </a:r>
             <a:r>
-              <a:rPr lang="pl" sz="3000" b="0" i="0" u="none" strike="noStrike" cap="none" baseline="0">
+              <a:rPr lang="pl" sz="3000" b="0" i="0" u="none" strike="noStrike" cap="none" baseline="0" dirty="0">
                 <a:solidFill>
                   <a:srgbClr val="00FF00"/>
                 </a:solidFill>
@@ -11785,9 +11855,9 @@
               <a:buNone/>
             </a:pPr>
             <a:r>
-              <a:rPr lang="pl" sz="3000" b="0" i="0" u="none" strike="noStrike" cap="none" baseline="0">
-                <a:solidFill>
-                  <a:srgbClr val="00FF00"/>
+              <a:rPr lang="pl" sz="3000" b="0" i="0" u="none" strike="noStrike" cap="none" baseline="0" dirty="0">
+                <a:solidFill>
+                  <a:srgbClr val="FF00FF"/>
                 </a:solidFill>
                 <a:latin typeface="Courier"/>
                 <a:ea typeface="Courier"/>
@@ -11816,7 +11886,7 @@
               <a:buNone/>
             </a:pPr>
             <a:r>
-              <a:rPr lang="pl" sz="3000" b="0" i="0" u="none" strike="noStrike" cap="none" baseline="0">
+              <a:rPr lang="pl" sz="3000" b="0" i="0" u="none" strike="noStrike" cap="none" baseline="0" dirty="0">
                 <a:solidFill>
                   <a:schemeClr val="lt1"/>
                 </a:solidFill>
@@ -11828,7 +11898,7 @@
               <a:t>&gt;&gt;&gt; </a:t>
             </a:r>
             <a:r>
-              <a:rPr lang="pl" sz="3000" b="0" i="0" u="none" strike="noStrike" cap="none" baseline="0">
+              <a:rPr lang="pl" sz="3000" b="0" i="0" u="none" strike="noStrike" cap="none" baseline="0" dirty="0">
                 <a:solidFill>
                   <a:srgbClr val="FF7F00"/>
                 </a:solidFill>
@@ -11840,7 +11910,7 @@
               <a:t>20</a:t>
             </a:r>
             <a:r>
-              <a:rPr lang="pl" sz="3000" b="0" i="0" u="none" strike="noStrike" cap="none" baseline="0">
+              <a:rPr lang="pl" sz="3000" b="0" i="0" u="none" strike="noStrike" cap="none" baseline="0" dirty="0">
                 <a:solidFill>
                   <a:schemeClr val="lt1"/>
                 </a:solidFill>
@@ -11852,7 +11922,7 @@
               <a:t> </a:t>
             </a:r>
             <a:r>
-              <a:rPr lang="pl" sz="3000" b="0" i="0" u="none" strike="noStrike" cap="none" baseline="0">
+              <a:rPr lang="pl" sz="3000" b="0" i="0" u="none" strike="noStrike" cap="none" baseline="0" dirty="0">
                 <a:solidFill>
                   <a:srgbClr val="FFFF00"/>
                 </a:solidFill>
@@ -11864,7 +11934,7 @@
               <a:t>not in</a:t>
             </a:r>
             <a:r>
-              <a:rPr lang="pl" sz="3000" b="0" i="0" u="none" strike="noStrike" cap="none" baseline="0">
+              <a:rPr lang="pl" sz="3000" b="0" i="0" u="none" strike="noStrike" cap="none" baseline="0" dirty="0">
                 <a:solidFill>
                   <a:schemeClr val="lt1"/>
                 </a:solidFill>
@@ -11876,7 +11946,7 @@
               <a:t> </a:t>
             </a:r>
             <a:r>
-              <a:rPr lang="pl" sz="3000" b="0" i="0" u="none" strike="noStrike" cap="none" baseline="0">
+              <a:rPr lang="pl" sz="3000" b="0" i="0" u="none" strike="noStrike" cap="none" baseline="0" dirty="0">
                 <a:solidFill>
                   <a:srgbClr val="00FF00"/>
                 </a:solidFill>
@@ -11907,7 +11977,7 @@
               <a:buNone/>
             </a:pPr>
             <a:r>
-              <a:rPr lang="pl" sz="3000" b="0" i="0" u="none" strike="noStrike" cap="none" baseline="0">
+              <a:rPr lang="pl" sz="3000" b="0" i="0" u="none" strike="noStrike" cap="none" baseline="0" dirty="0">
                 <a:solidFill>
                   <a:srgbClr val="FF00FF"/>
                 </a:solidFill>
@@ -11938,7 +12008,7 @@
               <a:buNone/>
             </a:pPr>
             <a:r>
-              <a:rPr lang="pl" sz="3000" b="0" i="0" u="none" strike="noStrike" cap="none" baseline="0">
+              <a:rPr lang="pl" sz="3000" b="0" i="0" u="none" strike="noStrike" cap="none" baseline="0" dirty="0">
                 <a:solidFill>
                   <a:schemeClr val="lt1"/>
                 </a:solidFill>
@@ -12245,6 +12315,18 @@
                 <a:sym typeface="Cabin"/>
               </a:rPr>
               <a:t>sort</a:t>
+            </a:r>
+            <a:r>
+              <a:rPr lang="en-US" sz="2800" b="0" i="0" u="none" strike="noStrike" cap="none" baseline="0" dirty="0">
+                <a:solidFill>
+                  <a:srgbClr val="FF00FF"/>
+                </a:solidFill>
+                <a:latin typeface="Arial" charset="0"/>
+                <a:ea typeface="Arial" charset="0"/>
+                <a:cs typeface="Arial" charset="0"/>
+                <a:sym typeface="Cabin"/>
+              </a:rPr>
+              <a:t>()</a:t>
             </a:r>
             <a:r>
               <a:rPr lang="pl" sz="2800" b="0" i="0" u="none" strike="noStrike" cap="none" baseline="0" dirty="0">
@@ -14058,8 +14140,8 @@
         </p:nvSpPr>
         <p:spPr>
           <a:xfrm>
-            <a:off x="7398721" y="6945562"/>
-            <a:ext cx="7973658" cy="1077218"/>
+            <a:off x="7010795" y="6945562"/>
+            <a:ext cx="8361584" cy="1077218"/>
           </a:xfrm>
           <a:prstGeom prst="rect">
             <a:avLst/>
@@ -14280,7 +14362,7 @@
                 </a:solidFill>
                 <a:hlinkClick r:id="rId3"/>
               </a:rPr>
-              <a:t>https://en.wikipedia.org/wiki/Algorithm</a:t>
+              <a:t>https://pl.wikipedia.org/wiki/Algorytm</a:t>
             </a:r>
             <a:endParaRPr lang="en-US" sz="3200" dirty="0">
               <a:solidFill>
@@ -14297,7 +14379,7 @@
                 </a:solidFill>
                 <a:hlinkClick r:id="rId4"/>
               </a:rPr>
-              <a:t>https://en.wikipedia.org/wiki/Data_structure</a:t>
+              <a:t>https://pl.wikipedia.org/wiki/Struktura_danych</a:t>
             </a:r>
             <a:endParaRPr lang="en-US" sz="3200" dirty="0">
               <a:solidFill>
@@ -14380,7 +14462,7 @@
               <a:buNone/>
             </a:pPr>
             <a:r>
-              <a:rPr lang="pl" sz="2600" b="0" i="0" u="none" strike="noStrike" cap="none" baseline="0">
+              <a:rPr lang="pl" sz="2600" b="0" i="0" u="none" strike="noStrike" cap="none" baseline="0" dirty="0">
                 <a:solidFill>
                   <a:srgbClr val="00FF00"/>
                 </a:solidFill>
@@ -14411,7 +14493,7 @@
               <a:buNone/>
             </a:pPr>
             <a:r>
-              <a:rPr lang="pl" sz="2600" b="0" i="0" u="none" strike="noStrike" cap="none" baseline="0">
+              <a:rPr lang="pl" sz="2600" b="0" i="0" u="none" strike="noStrike" cap="none" baseline="0" dirty="0">
                 <a:solidFill>
                   <a:srgbClr val="FFFFFF"/>
                 </a:solidFill>
@@ -14442,7 +14524,7 @@
               <a:buNone/>
             </a:pPr>
             <a:r>
-              <a:rPr lang="pl" sz="2600" b="0" i="0" u="none" strike="noStrike" cap="none" baseline="0">
+              <a:rPr lang="pl" sz="2600" b="0" i="0" u="none" strike="noStrike" cap="none" baseline="0" dirty="0">
                 <a:solidFill>
                   <a:srgbClr val="FFFFFF"/>
                 </a:solidFill>
@@ -14473,7 +14555,7 @@
               <a:buNone/>
             </a:pPr>
             <a:r>
-              <a:rPr lang="pl" sz="2600" b="0" i="0" u="none" strike="noStrike" cap="none" baseline="0">
+              <a:rPr lang="pl" sz="2600" b="0" i="0" u="none" strike="noStrike" cap="none" baseline="0" dirty="0">
                 <a:solidFill>
                   <a:srgbClr val="FFFFFF"/>
                 </a:solidFill>
@@ -14504,7 +14586,7 @@
               <a:buNone/>
             </a:pPr>
             <a:r>
-              <a:rPr lang="pl" sz="2600" b="0" i="0" u="none" strike="noStrike" cap="none" baseline="0">
+              <a:rPr lang="pl" sz="2600" b="0" i="0" u="none" strike="noStrike" cap="none" baseline="0" dirty="0">
                 <a:solidFill>
                   <a:srgbClr val="FFFFFF"/>
                 </a:solidFill>
@@ -14535,7 +14617,7 @@
               <a:buNone/>
             </a:pPr>
             <a:r>
-              <a:rPr lang="pl" sz="2600" b="0" i="0" u="none" strike="noStrike" cap="none" baseline="0">
+              <a:rPr lang="pl" sz="2600" b="0" i="0" u="none" strike="noStrike" cap="none" baseline="0" dirty="0">
                 <a:solidFill>
                   <a:srgbClr val="00FF00"/>
                 </a:solidFill>
@@ -14589,7 +14671,7 @@
               <a:buNone/>
             </a:pPr>
             <a:r>
-              <a:rPr lang="pl" sz="2600" b="0" i="0" u="none" strike="noStrike" cap="none" baseline="0">
+              <a:rPr lang="pl" sz="2600" b="0" i="0" u="none" strike="noStrike" cap="none" baseline="0" dirty="0">
                 <a:solidFill>
                   <a:srgbClr val="00FF00"/>
                 </a:solidFill>
@@ -14620,7 +14702,7 @@
               <a:buNone/>
             </a:pPr>
             <a:r>
-              <a:rPr lang="pl" sz="2600" b="0" i="0" u="none" strike="noStrike" cap="none" baseline="0">
+              <a:rPr lang="pl" sz="2600" b="0" i="0" u="none" strike="noStrike" cap="none" baseline="0" dirty="0">
                 <a:solidFill>
                   <a:srgbClr val="FFFFFF"/>
                 </a:solidFill>
@@ -15031,8 +15113,8 @@
         </p:nvSpPr>
         <p:spPr>
           <a:xfrm>
-            <a:off x="9308725" y="828688"/>
-            <a:ext cx="5435700" cy="2862300"/>
+            <a:off x="8592457" y="828688"/>
+            <a:ext cx="6151968" cy="2862300"/>
           </a:xfrm>
           <a:prstGeom prst="rect">
             <a:avLst/>
@@ -15066,7 +15148,7 @@
               <a:buNone/>
             </a:pPr>
             <a:r>
-              <a:rPr lang="pl" sz="3600" b="0" i="0" u="none" strike="noStrike" cap="none" baseline="0">
+              <a:rPr lang="pl" sz="3600" b="0" i="0" u="none" strike="noStrike" cap="none" baseline="0" dirty="0">
                 <a:solidFill>
                   <a:srgbClr val="FFFF00"/>
                 </a:solidFill>
@@ -15078,7 +15160,7 @@
               <a:t>Wprowadź liczbę: </a:t>
             </a:r>
             <a:r>
-              <a:rPr lang="pl" sz="3600" b="0" i="0" u="none" strike="noStrike" cap="none" baseline="0">
+              <a:rPr lang="pl" sz="3600" b="0" i="0" u="none" strike="noStrike" cap="none" baseline="0" dirty="0">
                 <a:solidFill>
                   <a:srgbClr val="00FFFF"/>
                 </a:solidFill>
@@ -15109,7 +15191,7 @@
               <a:buNone/>
             </a:pPr>
             <a:r>
-              <a:rPr lang="pl" sz="3600" b="0" i="0" u="none" strike="noStrike" cap="none" baseline="0">
+              <a:rPr lang="pl" sz="3600" b="0" i="0" u="none" strike="noStrike" cap="none" baseline="0" dirty="0">
                 <a:solidFill>
                   <a:srgbClr val="FFFF00"/>
                 </a:solidFill>
@@ -15121,7 +15203,7 @@
               <a:t>Wprowadź liczbę: </a:t>
             </a:r>
             <a:r>
-              <a:rPr lang="pl" sz="3600" b="0" i="0" u="none" strike="noStrike" cap="none" baseline="0">
+              <a:rPr lang="pl" sz="3600" b="0" i="0" u="none" strike="noStrike" cap="none" baseline="0" dirty="0">
                 <a:solidFill>
                   <a:srgbClr val="00FFFF"/>
                 </a:solidFill>
@@ -15152,7 +15234,7 @@
               <a:buNone/>
             </a:pPr>
             <a:r>
-              <a:rPr lang="pl" sz="3600" b="0" i="0" u="none" strike="noStrike" cap="none" baseline="0">
+              <a:rPr lang="pl" sz="3600" b="0" i="0" u="none" strike="noStrike" cap="none" baseline="0" dirty="0">
                 <a:solidFill>
                   <a:srgbClr val="FFFF00"/>
                 </a:solidFill>
@@ -15164,7 +15246,7 @@
               <a:t>Wprowadź liczbę: </a:t>
             </a:r>
             <a:r>
-              <a:rPr lang="pl" sz="3600" b="0" i="0" u="none" strike="noStrike" cap="none" baseline="0">
+              <a:rPr lang="pl" sz="3600" b="0" i="0" u="none" strike="noStrike" cap="none" baseline="0" dirty="0">
                 <a:solidFill>
                   <a:srgbClr val="00FFFF"/>
                 </a:solidFill>
@@ -15195,7 +15277,7 @@
               <a:buNone/>
             </a:pPr>
             <a:r>
-              <a:rPr lang="pl" sz="3600" b="0" i="0" u="none" strike="noStrike" cap="none" baseline="0">
+              <a:rPr lang="pl" sz="3600" b="0" i="0" u="none" strike="noStrike" cap="none" baseline="0" dirty="0">
                 <a:solidFill>
                   <a:srgbClr val="FFFF00"/>
                 </a:solidFill>
@@ -15207,7 +15289,7 @@
               <a:t>Wprowadź liczbę: </a:t>
             </a:r>
             <a:r>
-              <a:rPr lang="pl" sz="3600" b="0" i="0" u="none" strike="noStrike" cap="none" baseline="0">
+              <a:rPr lang="pl" sz="3600" b="0" i="0" u="none" strike="noStrike" cap="none" baseline="0" dirty="0">
                 <a:solidFill>
                   <a:srgbClr val="00FFFF"/>
                 </a:solidFill>
@@ -15238,7 +15320,7 @@
               <a:buNone/>
             </a:pPr>
             <a:r>
-              <a:rPr lang="pl" sz="3600" b="0" i="0" u="none" strike="noStrike" cap="none" baseline="0">
+              <a:rPr lang="pl" sz="3600" b="0" i="0" u="none" strike="noStrike" cap="none" baseline="0" dirty="0">
                 <a:solidFill>
                   <a:srgbClr val="FFFF00"/>
                 </a:solidFill>
@@ -15247,7 +15329,55 @@
                 <a:cs typeface="Arial" charset="0"/>
                 <a:sym typeface="Cabin"/>
               </a:rPr>
-              <a:t>Średnia 5,66666666667</a:t>
+              <a:t>Średnia</a:t>
+            </a:r>
+            <a:r>
+              <a:rPr lang="en-US" sz="3600" b="0" i="0" u="none" strike="noStrike" cap="none" baseline="0" dirty="0">
+                <a:solidFill>
+                  <a:srgbClr val="FFFF00"/>
+                </a:solidFill>
+                <a:latin typeface="Arial" charset="0"/>
+                <a:ea typeface="Arial" charset="0"/>
+                <a:cs typeface="Arial" charset="0"/>
+                <a:sym typeface="Cabin"/>
+              </a:rPr>
+              <a:t>:</a:t>
+            </a:r>
+            <a:r>
+              <a:rPr lang="pl" sz="3600" b="0" i="0" u="none" strike="noStrike" cap="none" baseline="0" dirty="0">
+                <a:solidFill>
+                  <a:srgbClr val="FFFF00"/>
+                </a:solidFill>
+                <a:latin typeface="Arial" charset="0"/>
+                <a:ea typeface="Arial" charset="0"/>
+                <a:cs typeface="Arial" charset="0"/>
+                <a:sym typeface="Cabin"/>
+              </a:rPr>
+              <a:t> 5</a:t>
+            </a:r>
+            <a:r>
+              <a:rPr lang="en-US" sz="3600" b="0" i="0" u="none" strike="noStrike" cap="none" baseline="0" dirty="0">
+                <a:solidFill>
+                  <a:srgbClr val="FFFF00"/>
+                </a:solidFill>
+                <a:latin typeface="Arial" charset="0"/>
+                <a:ea typeface="Arial" charset="0"/>
+                <a:cs typeface="Arial" charset="0"/>
+                <a:sym typeface="Cabin"/>
+              </a:rPr>
+              <a:t>.</a:t>
+            </a:r>
+            <a:r>
+              <a:rPr lang="pl" sz="3600" b="0" i="0" u="none" strike="noStrike" cap="none" baseline="0" dirty="0">
+                <a:solidFill>
+                  <a:srgbClr val="FFFF00"/>
+                </a:solidFill>
+                <a:latin typeface="Arial" charset="0"/>
+                <a:ea typeface="Arial" charset="0"/>
+                <a:cs typeface="Arial" charset="0"/>
+                <a:sym typeface="Cabin"/>
+              </a:rPr>
+              <a:t>66666666667</a:t>
             </a:r>
           </a:p>
         </p:txBody>
@@ -15946,7 +16076,7 @@
               <a:buSzPct val="25000"/>
             </a:pPr>
             <a:r>
-              <a:rPr lang="pl" sz="3000" b="0" i="0" u="none" strike="noStrike" cap="none" baseline="0">
+              <a:rPr lang="pl" sz="3000" b="0" i="0" u="none" strike="noStrike" cap="none" baseline="0" dirty="0">
                 <a:solidFill>
                   <a:schemeClr val="lt1"/>
                 </a:solidFill>
@@ -15958,7 +16088,7 @@
               <a:t>&gt;&gt;&gt; </a:t>
             </a:r>
             <a:r>
-              <a:rPr lang="pl" sz="3000" b="0" i="0" u="none" strike="noStrike" cap="none" baseline="0">
+              <a:rPr lang="pl" sz="3000" b="0" i="0" u="none" strike="noStrike" cap="none" baseline="0" dirty="0">
                 <a:solidFill>
                   <a:srgbClr val="FFFF00"/>
                 </a:solidFill>
@@ -15970,7 +16100,7 @@
               <a:t>print(</a:t>
             </a:r>
             <a:r>
-              <a:rPr lang="pl" sz="3000" b="0" i="0" u="none" strike="noStrike" cap="none" baseline="0">
+              <a:rPr lang="pl" sz="3000" b="0" i="0" u="none" strike="noStrike" cap="none" baseline="0" dirty="0">
                 <a:solidFill>
                   <a:srgbClr val="00FF00"/>
                 </a:solidFill>
@@ -15982,7 +16112,7 @@
               <a:t>stuff</a:t>
             </a:r>
             <a:r>
-              <a:rPr lang="pl" sz="3000" b="0" i="0" u="none" baseline="0">
+              <a:rPr lang="pl" sz="3000" b="0" i="0" u="none" baseline="0" dirty="0">
                 <a:solidFill>
                   <a:srgbClr val="FFFF00"/>
                 </a:solidFill>
@@ -16022,7 +16152,7 @@
               <a:buNone/>
             </a:pPr>
             <a:r>
-              <a:rPr lang="pl" sz="3000" b="0" i="0" u="none" strike="noStrike" cap="none" baseline="0">
+              <a:rPr lang="pl" sz="3000" b="0" i="0" u="none" strike="noStrike" cap="none" baseline="0" dirty="0">
                 <a:solidFill>
                   <a:schemeClr val="lt1"/>
                 </a:solidFill>
@@ -16053,7 +16183,7 @@
               <a:buNone/>
             </a:pPr>
             <a:r>
-              <a:rPr lang="pl" sz="3000" b="0" i="0" u="none" strike="noStrike" cap="none" baseline="0">
+              <a:rPr lang="pl" sz="3000" b="0" i="0" u="none" strike="noStrike" cap="none" baseline="0" dirty="0">
                 <a:solidFill>
                   <a:schemeClr val="lt1"/>
                 </a:solidFill>
@@ -16065,7 +16195,7 @@
               <a:t>&gt;&gt;&gt; </a:t>
             </a:r>
             <a:r>
-              <a:rPr lang="pl" sz="3000" b="0" i="0" u="none" strike="noStrike" cap="none" baseline="0">
+              <a:rPr lang="pl" sz="3000" b="0" i="0" u="none" strike="noStrike" cap="none" baseline="0" dirty="0">
                 <a:solidFill>
                   <a:srgbClr val="FFFF00"/>
                 </a:solidFill>
@@ -16077,7 +16207,7 @@
               <a:t>for</a:t>
             </a:r>
             <a:r>
-              <a:rPr lang="pl" sz="3000" b="0" i="0" u="none" strike="noStrike" cap="none" baseline="0">
+              <a:rPr lang="pl" sz="3000" b="0" i="0" u="none" strike="noStrike" cap="none" baseline="0" dirty="0">
                 <a:solidFill>
                   <a:srgbClr val="FF7F00"/>
                 </a:solidFill>
@@ -16089,7 +16219,7 @@
               <a:t> </a:t>
             </a:r>
             <a:r>
-              <a:rPr lang="pl" sz="3000" b="0" i="0" u="none" strike="noStrike" cap="none" baseline="0">
+              <a:rPr lang="pl" sz="3000" b="0" i="0" u="none" strike="noStrike" cap="none" baseline="0" dirty="0">
                 <a:solidFill>
                   <a:srgbClr val="00FF00"/>
                 </a:solidFill>
@@ -16101,7 +16231,7 @@
               <a:t>w</a:t>
             </a:r>
             <a:r>
-              <a:rPr lang="pl" sz="3000" b="0" i="0" u="none" strike="noStrike" cap="none" baseline="0">
+              <a:rPr lang="pl" sz="3000" b="0" i="0" u="none" strike="noStrike" cap="none" baseline="0" dirty="0">
                 <a:solidFill>
                   <a:srgbClr val="FF7F00"/>
                 </a:solidFill>
@@ -16113,7 +16243,7 @@
               <a:t> </a:t>
             </a:r>
             <a:r>
-              <a:rPr lang="pl" sz="3000" b="0" i="0" u="none" strike="noStrike" cap="none" baseline="0">
+              <a:rPr lang="pl" sz="3000" b="0" i="0" u="none" strike="noStrike" cap="none" baseline="0" dirty="0">
                 <a:solidFill>
                   <a:srgbClr val="FFFF00"/>
                 </a:solidFill>
@@ -16125,7 +16255,7 @@
               <a:t>in</a:t>
             </a:r>
             <a:r>
-              <a:rPr lang="pl" sz="3000" b="0" i="0" u="none" strike="noStrike" cap="none" baseline="0">
+              <a:rPr lang="pl" sz="3000" b="0" i="0" u="none" strike="noStrike" cap="none" baseline="0" dirty="0">
                 <a:solidFill>
                   <a:srgbClr val="FF7F00"/>
                 </a:solidFill>
@@ -16137,7 +16267,7 @@
               <a:t> </a:t>
             </a:r>
             <a:r>
-              <a:rPr lang="pl" sz="3000" b="0" i="0" u="none" strike="noStrike" cap="none" baseline="0">
+              <a:rPr lang="pl" sz="3000" b="0" i="0" u="none" strike="noStrike" cap="none" baseline="0" dirty="0">
                 <a:solidFill>
                   <a:srgbClr val="00FF00"/>
                 </a:solidFill>
@@ -16149,7 +16279,7 @@
               <a:t>stuff </a:t>
             </a:r>
             <a:r>
-              <a:rPr lang="pl" sz="3000" b="0" i="0" u="none" strike="noStrike" cap="none" baseline="0">
+              <a:rPr lang="pl" sz="3000" b="0" i="0" u="none" strike="noStrike" cap="none" baseline="0" dirty="0">
                 <a:solidFill>
                   <a:schemeClr val="lt1"/>
                 </a:solidFill>
@@ -16169,7 +16299,7 @@
               <a:buSzPct val="25000"/>
             </a:pPr>
             <a:r>
-              <a:rPr lang="pl" sz="3000" b="0" i="0" u="none" strike="noStrike" cap="none" baseline="0">
+              <a:rPr lang="pl" sz="3000" b="0" i="0" u="none" strike="noStrike" cap="none" baseline="0" dirty="0">
                 <a:solidFill>
                   <a:schemeClr val="lt1"/>
                 </a:solidFill>
@@ -16181,7 +16311,7 @@
               <a:t>... </a:t>
             </a:r>
             <a:r>
-              <a:rPr lang="pl" sz="3000" b="0" i="0" u="none" baseline="0">
+              <a:rPr lang="pl" sz="3000" b="0" i="0" u="none" baseline="0" dirty="0">
                 <a:solidFill>
                   <a:schemeClr val="lt1"/>
                 </a:solidFill>
@@ -16193,7 +16323,7 @@
               <a:t>    </a:t>
             </a:r>
             <a:r>
-              <a:rPr lang="pl" sz="3000" b="0" i="0" u="none" strike="noStrike" cap="none" baseline="0">
+              <a:rPr lang="pl" sz="3000" b="0" i="0" u="none" strike="noStrike" cap="none" baseline="0" dirty="0">
                 <a:solidFill>
                   <a:srgbClr val="FFFF00"/>
                 </a:solidFill>
@@ -16205,7 +16335,7 @@
               <a:t>print(</a:t>
             </a:r>
             <a:r>
-              <a:rPr lang="pl" sz="3000" b="0" i="0" u="none" strike="noStrike" cap="none" baseline="0">
+              <a:rPr lang="pl" sz="3000" b="0" i="0" u="none" strike="noStrike" cap="none" baseline="0" dirty="0">
                 <a:solidFill>
                   <a:srgbClr val="00FF00"/>
                 </a:solidFill>
@@ -16217,7 +16347,7 @@
               <a:t>w</a:t>
             </a:r>
             <a:r>
-              <a:rPr lang="pl" sz="3000" b="0" i="0" u="none" baseline="0">
+              <a:rPr lang="pl" sz="3000" b="0" i="0" u="none" baseline="0" dirty="0">
                 <a:solidFill>
                   <a:srgbClr val="FFFF00"/>
                 </a:solidFill>
@@ -16257,7 +16387,7 @@
               <a:buNone/>
             </a:pPr>
             <a:r>
-              <a:rPr lang="pl" sz="3000" b="0" i="0" u="none" strike="noStrike" cap="none" baseline="0">
+              <a:rPr lang="pl" sz="3000" b="0" i="0" u="none" strike="noStrike" cap="none" baseline="0" dirty="0">
                 <a:solidFill>
                   <a:schemeClr val="lt1"/>
                 </a:solidFill>
@@ -16288,7 +16418,7 @@
               <a:buNone/>
             </a:pPr>
             <a:r>
-              <a:rPr lang="pl" sz="3000" b="0" i="0" u="none" strike="noStrike" cap="none" baseline="0">
+              <a:rPr lang="pl" sz="3000" b="0" i="0" u="none" strike="noStrike" cap="none" baseline="0" dirty="0">
                 <a:solidFill>
                   <a:schemeClr val="lt1"/>
                 </a:solidFill>
@@ -16319,16 +16449,28 @@
               <a:buNone/>
             </a:pPr>
             <a:r>
-              <a:rPr lang="pl" sz="3000" b="0" i="0" u="none" strike="noStrike" cap="none" baseline="0">
-                <a:solidFill>
-                  <a:schemeClr val="lt1"/>
-                </a:solidFill>
-                <a:latin typeface="Courier"/>
-                <a:ea typeface="Courier"/>
-                <a:cs typeface="Courier"/>
-                <a:sym typeface="Courier New"/>
-              </a:rPr>
-              <a:t>Trzech</a:t>
+              <a:rPr lang="en-US" sz="3000" b="0" i="0" u="none" strike="noStrike" cap="none" baseline="0" dirty="0">
+                <a:solidFill>
+                  <a:schemeClr val="lt1"/>
+                </a:solidFill>
+                <a:latin typeface="Courier"/>
+                <a:ea typeface="Courier"/>
+                <a:cs typeface="Courier"/>
+                <a:sym typeface="Courier New"/>
+              </a:rPr>
+              <a:t>t</a:t>
+            </a:r>
+            <a:r>
+              <a:rPr lang="pl" sz="3000" b="0" i="0" u="none" strike="noStrike" cap="none" baseline="0" dirty="0">
+                <a:solidFill>
+                  <a:schemeClr val="lt1"/>
+                </a:solidFill>
+                <a:latin typeface="Courier"/>
+                <a:ea typeface="Courier"/>
+                <a:cs typeface="Courier"/>
+                <a:sym typeface="Courier New"/>
+              </a:rPr>
+              <a:t>rzech</a:t>
             </a:r>
           </a:p>
           <a:p>
@@ -16350,16 +16492,28 @@
               <a:buNone/>
             </a:pPr>
             <a:r>
-              <a:rPr lang="pl" sz="3000" b="0" i="0" u="none" strike="noStrike" cap="none" baseline="0">
-                <a:solidFill>
-                  <a:schemeClr val="lt1"/>
-                </a:solidFill>
-                <a:latin typeface="Courier"/>
-                <a:ea typeface="Courier"/>
-                <a:cs typeface="Courier"/>
-                <a:sym typeface="Courier New"/>
-              </a:rPr>
-              <a:t>Słowach</a:t>
+              <a:rPr lang="en-US" sz="3000" b="0" i="0" u="none" strike="noStrike" cap="none" baseline="0" dirty="0">
+                <a:solidFill>
+                  <a:schemeClr val="lt1"/>
+                </a:solidFill>
+                <a:latin typeface="Courier"/>
+                <a:ea typeface="Courier"/>
+                <a:cs typeface="Courier"/>
+                <a:sym typeface="Courier New"/>
+              </a:rPr>
+              <a:t>s</a:t>
+            </a:r>
+            <a:r>
+              <a:rPr lang="pl" sz="3000" b="0" i="0" u="none" strike="noStrike" cap="none" baseline="0" dirty="0">
+                <a:solidFill>
+                  <a:schemeClr val="lt1"/>
+                </a:solidFill>
+                <a:latin typeface="Courier"/>
+                <a:ea typeface="Courier"/>
+                <a:cs typeface="Courier"/>
+                <a:sym typeface="Courier New"/>
+              </a:rPr>
+              <a:t>łowach</a:t>
             </a:r>
           </a:p>
           <a:p>
@@ -16381,7 +16535,7 @@
               <a:buNone/>
             </a:pPr>
             <a:r>
-              <a:rPr lang="pl" sz="3000" b="0" i="0" u="none" strike="noStrike" cap="none" baseline="0">
+              <a:rPr lang="pl" sz="3000" b="0" i="0" u="none" strike="noStrike" cap="none" baseline="0" dirty="0">
                 <a:solidFill>
                   <a:schemeClr val="lt1"/>
                 </a:solidFill>
@@ -16438,16 +16592,52 @@
               <a:buNone/>
             </a:pPr>
             <a:r>
-              <a:rPr lang="pl" sz="3400" b="0" i="0" u="none" strike="noStrike" cap="none" baseline="0" dirty="0">
-                <a:solidFill>
-                  <a:srgbClr val="FF00FF"/>
+              <a:rPr lang="en-US" sz="3400" b="0" i="0" u="none" strike="noStrike" cap="none" baseline="0" dirty="0" err="1">
+                <a:solidFill>
+                  <a:schemeClr val="bg1"/>
                 </a:solidFill>
                 <a:latin typeface="Arial" charset="0"/>
                 <a:ea typeface="Arial" charset="0"/>
                 <a:cs typeface="Arial" charset="0"/>
                 <a:sym typeface="Cabin"/>
               </a:rPr>
-              <a:t>Split</a:t>
+              <a:t>Metoda</a:t>
+            </a:r>
+            <a:r>
+              <a:rPr lang="en-US" sz="3400" b="0" i="0" u="none" strike="noStrike" cap="none" baseline="0" dirty="0">
+                <a:solidFill>
+                  <a:srgbClr val="FF00FF"/>
+                </a:solidFill>
+                <a:latin typeface="Arial" charset="0"/>
+                <a:ea typeface="Arial" charset="0"/>
+                <a:cs typeface="Arial" charset="0"/>
+                <a:sym typeface="Cabin"/>
+              </a:rPr>
+              <a:t> s</a:t>
+            </a:r>
+            <a:r>
+              <a:rPr lang="pl" sz="3400" b="0" i="0" u="none" strike="noStrike" cap="none" baseline="0" dirty="0">
+                <a:solidFill>
+                  <a:srgbClr val="FF00FF"/>
+                </a:solidFill>
+                <a:latin typeface="Arial" charset="0"/>
+                <a:ea typeface="Arial" charset="0"/>
+                <a:cs typeface="Arial" charset="0"/>
+                <a:sym typeface="Cabin"/>
+              </a:rPr>
+              <a:t>plit</a:t>
+            </a:r>
+            <a:r>
+              <a:rPr lang="en-US" sz="3400" b="0" i="0" u="none" strike="noStrike" cap="none" baseline="0" dirty="0">
+                <a:solidFill>
+                  <a:srgbClr val="FF00FF"/>
+                </a:solidFill>
+                <a:latin typeface="Arial" charset="0"/>
+                <a:ea typeface="Arial" charset="0"/>
+                <a:cs typeface="Arial" charset="0"/>
+                <a:sym typeface="Cabin"/>
+              </a:rPr>
+              <a:t>()</a:t>
             </a:r>
             <a:r>
               <a:rPr lang="pl" sz="3400" b="0" i="0" u="none" strike="noStrike" cap="none" baseline="0" dirty="0">
@@ -21844,8 +22034,85 @@
                   <a:srgbClr val="FFFFFF"/>
                 </a:solidFill>
               </a:rPr>
-              <a:t>Autorstwo pierwszej wersji: Charles Severance, University of Michigan School of Information</a:t>
-            </a:r>
+              <a:t>Autorstwo pierwszej wersji: Charles Severance, </a:t>
+            </a:r>
+            <a:br>
+              <a:rPr lang="en-US" sz="1800" b="0" i="0" u="none" baseline="0" dirty="0">
+                <a:solidFill>
+                  <a:srgbClr val="FFFFFF"/>
+                </a:solidFill>
+              </a:rPr>
+            </a:br>
+            <a:r>
+              <a:rPr lang="pl" sz="1800" b="0" i="0" u="none" baseline="0" dirty="0">
+                <a:solidFill>
+                  <a:srgbClr val="FFFFFF"/>
+                </a:solidFill>
+              </a:rPr>
+              <a:t>University of Michigan School of Information</a:t>
+            </a:r>
+            <a:endParaRPr lang="en-US" sz="1800" b="0" i="0" u="none" baseline="0" dirty="0">
+              <a:solidFill>
+                <a:srgbClr val="FFFFFF"/>
+              </a:solidFill>
+            </a:endParaRPr>
+          </a:p>
+          <a:p>
+            <a:pPr lvl="0" algn="l" rtl="0">
+              <a:spcBef>
+                <a:spcPts val="0"/>
+              </a:spcBef>
+              <a:buNone/>
+            </a:pPr>
+            <a:endParaRPr lang="en-US" sz="1800" dirty="0">
+              <a:solidFill>
+                <a:srgbClr val="FFFFFF"/>
+              </a:solidFill>
+            </a:endParaRPr>
+          </a:p>
+          <a:p>
+            <a:pPr lvl="0" algn="l" rtl="0">
+              <a:spcBef>
+                <a:spcPts val="0"/>
+              </a:spcBef>
+              <a:buNone/>
+            </a:pPr>
+            <a:r>
+              <a:rPr lang="pl-PL" sz="1800" dirty="0">
+                <a:solidFill>
+                  <a:srgbClr val="FFFFFF"/>
+                </a:solidFill>
+              </a:rPr>
+              <a:t>Polska wersja powstała z inicjatywy Wydziału Matematyki </a:t>
+            </a:r>
+            <a:br>
+              <a:rPr lang="en-US" sz="1800" dirty="0">
+                <a:solidFill>
+                  <a:srgbClr val="FFFFFF"/>
+                </a:solidFill>
+              </a:rPr>
+            </a:br>
+            <a:r>
+              <a:rPr lang="pl-PL" sz="1800" dirty="0">
+                <a:solidFill>
+                  <a:srgbClr val="FFFFFF"/>
+                </a:solidFill>
+              </a:rPr>
+              <a:t>i Informatyki Uniwersytetu im. </a:t>
+            </a:r>
+            <a:r>
+              <a:rPr lang="pl-PL" sz="1800">
+                <a:solidFill>
+                  <a:srgbClr val="FFFFFF"/>
+                </a:solidFill>
+              </a:rPr>
+              <a:t>Adama Mickiewicza w Poznaniu</a:t>
+            </a:r>
+            <a:endParaRPr lang="pl-PL" sz="1800" dirty="0">
+              <a:solidFill>
+                <a:srgbClr val="FFFFFF"/>
+              </a:solidFill>
+            </a:endParaRPr>
           </a:p>
           <a:p>
             <a:pPr lvl="0" algn="l" rtl="0">
@@ -21873,23 +22140,7 @@
                   <a:srgbClr val="FFFFFF"/>
                 </a:solidFill>
               </a:rPr>
-              <a:t>Tłumaczenie</a:t>
-            </a:r>
-            <a:r>
-              <a:rPr lang="pl" sz="1800" b="0" i="0" u="none" baseline="0">
-                <a:solidFill>
-                  <a:srgbClr val="FFFFFF"/>
-                </a:solidFill>
-              </a:rPr>
-              <a:t>: Agata i Krzysztof Wierzbiccy</a:t>
-            </a:r>
-            <a:r>
-              <a:rPr lang="pl" sz="1800" b="0" i="0" u="none" baseline="0" dirty="0">
-                <a:solidFill>
-                  <a:srgbClr val="FFFFFF"/>
-                </a:solidFill>
-              </a:rPr>
-              <a:t>, EnglishT.eu </a:t>
+              <a:t>Tłumaczenie: Agata i Krzysztof Wierzbiccy, EnglishT.eu </a:t>
             </a:r>
           </a:p>
           <a:p>
@@ -22230,7 +22481,7 @@
               <a:buNone/>
             </a:pPr>
             <a:r>
-              <a:rPr lang="pl" sz="3000" b="0" i="0" u="none" strike="noStrike" cap="none" baseline="0">
+              <a:rPr lang="pl" sz="3000" b="0" i="0" u="none" strike="noStrike" cap="none" baseline="0" dirty="0">
                 <a:solidFill>
                   <a:schemeClr val="lt1"/>
                 </a:solidFill>
@@ -22242,7 +22493,7 @@
               <a:t>$ </a:t>
             </a:r>
             <a:r>
-              <a:rPr lang="pl" sz="3000" b="0" i="0" u="none" strike="noStrike" cap="none" baseline="0">
+              <a:rPr lang="pl" sz="3000" b="0" i="0" u="none" strike="noStrike" cap="none" baseline="0" dirty="0">
                 <a:solidFill>
                   <a:srgbClr val="FFFF00"/>
                 </a:solidFill>
@@ -22253,6 +22504,27 @@
               </a:rPr>
               <a:t>python</a:t>
             </a:r>
+            <a:r>
+              <a:rPr lang="en-US" sz="3000" b="0" i="0" u="none" strike="noStrike" cap="none" baseline="0" dirty="0">
+                <a:solidFill>
+                  <a:srgbClr val="FFFF00"/>
+                </a:solidFill>
+                <a:latin typeface="Courier"/>
+                <a:ea typeface="Courier"/>
+                <a:cs typeface="Courier"/>
+                <a:sym typeface="Courier New"/>
+              </a:rPr>
+              <a:t>3</a:t>
+            </a:r>
+            <a:endParaRPr lang="pl" sz="3000" b="0" i="0" u="none" strike="noStrike" cap="none" baseline="0" dirty="0">
+              <a:solidFill>
+                <a:srgbClr val="FFFF00"/>
+              </a:solidFill>
+              <a:latin typeface="Courier"/>
+              <a:ea typeface="Courier"/>
+              <a:cs typeface="Courier"/>
+              <a:sym typeface="Courier New"/>
+            </a:endParaRPr>
           </a:p>
           <a:p>
             <a:pPr marL="0" marR="0" lvl="0" indent="0" algn="l" rtl="0">
@@ -22273,7 +22545,7 @@
               <a:buNone/>
             </a:pPr>
             <a:r>
-              <a:rPr lang="pl" sz="3000" b="0" i="0" u="none" strike="noStrike" cap="none" baseline="0">
+              <a:rPr lang="pl" sz="3000" b="0" i="0" u="none" strike="noStrike" cap="none" baseline="0" dirty="0">
                 <a:solidFill>
                   <a:schemeClr val="lt1"/>
                 </a:solidFill>
@@ -22285,7 +22557,7 @@
               <a:t>&gt;&gt;&gt; </a:t>
             </a:r>
             <a:r>
-              <a:rPr lang="pl" sz="3000" b="0" i="0" u="none" strike="noStrike" cap="none" baseline="0">
+              <a:rPr lang="pl" sz="3000" b="0" i="0" u="none" strike="noStrike" cap="none" baseline="0" dirty="0">
                 <a:solidFill>
                   <a:srgbClr val="00FF00"/>
                 </a:solidFill>
@@ -22297,7 +22569,7 @@
               <a:t>x</a:t>
             </a:r>
             <a:r>
-              <a:rPr lang="pl" sz="3000" b="0" i="0" u="none" strike="noStrike" cap="none" baseline="0">
+              <a:rPr lang="pl" sz="3000" b="0" i="0" u="none" strike="noStrike" cap="none" baseline="0" dirty="0">
                 <a:solidFill>
                   <a:schemeClr val="lt1"/>
                 </a:solidFill>
@@ -22328,7 +22600,7 @@
               <a:buNone/>
             </a:pPr>
             <a:r>
-              <a:rPr lang="pl" sz="3000" b="0" i="0" u="none" strike="noStrike" cap="none" baseline="0">
+              <a:rPr lang="pl" sz="3000" b="0" i="0" u="none" strike="noStrike" cap="none" baseline="0" dirty="0">
                 <a:solidFill>
                   <a:schemeClr val="lt1"/>
                 </a:solidFill>
@@ -22340,7 +22612,7 @@
               <a:t>&gt;&gt;&gt; </a:t>
             </a:r>
             <a:r>
-              <a:rPr lang="pl" sz="3000" b="0" i="0" u="none" strike="noStrike" cap="none" baseline="0">
+              <a:rPr lang="pl" sz="3000" b="0" i="0" u="none" strike="noStrike" cap="none" baseline="0" dirty="0">
                 <a:solidFill>
                   <a:srgbClr val="00FF00"/>
                 </a:solidFill>
@@ -22352,7 +22624,7 @@
               <a:t>x</a:t>
             </a:r>
             <a:r>
-              <a:rPr lang="pl" sz="3000" b="0" i="0" u="none" strike="noStrike" cap="none" baseline="0">
+              <a:rPr lang="pl" sz="3000" b="0" i="0" u="none" strike="noStrike" cap="none" baseline="0" dirty="0">
                 <a:solidFill>
                   <a:schemeClr val="lt1"/>
                 </a:solidFill>
@@ -22383,7 +22655,7 @@
               <a:buNone/>
             </a:pPr>
             <a:r>
-              <a:rPr lang="pl" sz="3000" b="0" i="0" u="none" strike="noStrike" cap="none" baseline="0">
+              <a:rPr lang="pl" sz="3000" b="0" i="0" u="none" strike="noStrike" cap="none" baseline="0" dirty="0">
                 <a:solidFill>
                   <a:schemeClr val="lt1"/>
                 </a:solidFill>
@@ -22395,7 +22667,7 @@
               <a:t>&gt;&gt;&gt; </a:t>
             </a:r>
             <a:r>
-              <a:rPr lang="pl" sz="3000" b="0" i="0" u="none" strike="noStrike" cap="none" baseline="0">
+              <a:rPr lang="pl" sz="3000" b="0" i="0" u="none" strike="noStrike" cap="none" baseline="0" dirty="0">
                 <a:solidFill>
                   <a:srgbClr val="FFFF00"/>
                 </a:solidFill>
@@ -22407,7 +22679,7 @@
               <a:t>print(</a:t>
             </a:r>
             <a:r>
-              <a:rPr lang="pl" sz="3000" b="0" i="0" u="none" strike="noStrike" cap="none" baseline="0">
+              <a:rPr lang="pl" sz="3000" b="0" i="0" u="none" strike="noStrike" cap="none" baseline="0" dirty="0">
                 <a:solidFill>
                   <a:srgbClr val="00FF00"/>
                 </a:solidFill>
@@ -22419,7 +22691,7 @@
               <a:t>x</a:t>
             </a:r>
             <a:r>
-              <a:rPr lang="pl" sz="3000" b="0" i="0" u="none" strike="noStrike" cap="none" baseline="0">
+              <a:rPr lang="pl" sz="3000" b="0" i="0" u="none" strike="noStrike" cap="none" baseline="0" dirty="0">
                 <a:solidFill>
                   <a:srgbClr val="FFFF00"/>
                 </a:solidFill>
@@ -22459,7 +22731,7 @@
               <a:buNone/>
             </a:pPr>
             <a:r>
-              <a:rPr lang="pl" sz="3000" b="0" i="0" u="none" strike="noStrike" cap="none" baseline="0">
+              <a:rPr lang="pl" sz="3000" b="0" i="0" u="none" strike="noStrike" cap="none" baseline="0" dirty="0">
                 <a:solidFill>
                   <a:schemeClr val="lt1"/>
                 </a:solidFill>
@@ -23212,8 +23484,8 @@
         </p:nvSpPr>
         <p:spPr>
           <a:xfrm>
-            <a:off x="8774113" y="2532050"/>
-            <a:ext cx="7162387" cy="5540399"/>
+            <a:off x="8418287" y="2532050"/>
+            <a:ext cx="7518214" cy="5540399"/>
           </a:xfrm>
           <a:prstGeom prst="rect">
             <a:avLst/>
@@ -23247,7 +23519,7 @@
               <a:buNone/>
             </a:pPr>
             <a:r>
-              <a:rPr lang="pl" sz="2800" b="0" i="0" u="none" strike="noStrike" cap="none" baseline="0">
+              <a:rPr lang="pl" sz="2100" b="0" i="0" u="none" strike="noStrike" cap="none" baseline="0" dirty="0">
                 <a:solidFill>
                   <a:schemeClr val="lt1"/>
                 </a:solidFill>
@@ -23259,7 +23531,7 @@
               <a:t>&gt;&gt;&gt; </a:t>
             </a:r>
             <a:r>
-              <a:rPr lang="pl" sz="2800" b="0" i="0" u="none" strike="noStrike" cap="none" baseline="0">
+              <a:rPr lang="pl" sz="2100" b="0" i="0" u="none" strike="noStrike" cap="none" baseline="0" dirty="0">
                 <a:solidFill>
                   <a:srgbClr val="FFFF00"/>
                 </a:solidFill>
@@ -23271,7 +23543,7 @@
               <a:t>print(</a:t>
             </a:r>
             <a:r>
-              <a:rPr lang="pl" sz="2800" b="0" i="0" u="none" strike="noStrike" cap="none" baseline="0">
+              <a:rPr lang="pl" sz="2100" b="0" i="0" u="none" strike="noStrike" cap="none" baseline="0" dirty="0">
                 <a:solidFill>
                   <a:srgbClr val="FF7F00"/>
                 </a:solidFill>
@@ -23283,7 +23555,7 @@
               <a:t>[1, 24, 76]</a:t>
             </a:r>
             <a:r>
-              <a:rPr lang="pl" sz="2800" b="0" i="0" u="none" strike="noStrike" cap="none" baseline="0">
+              <a:rPr lang="pl" sz="2100" b="0" i="0" u="none" strike="noStrike" cap="none" baseline="0" dirty="0">
                 <a:solidFill>
                   <a:srgbClr val="FFFF00"/>
                 </a:solidFill>
@@ -23294,7 +23566,7 @@
               </a:rPr>
               <a:t>)</a:t>
             </a:r>
-            <a:endParaRPr lang="pl" sz="2800" i="0" u="none" strike="noStrike" cap="none" dirty="0">
+            <a:endParaRPr lang="pl" sz="2100" i="0" u="none" strike="noStrike" cap="none" dirty="0">
               <a:solidFill>
                 <a:srgbClr val="FFFF00"/>
               </a:solidFill>
@@ -23323,7 +23595,7 @@
               <a:buNone/>
             </a:pPr>
             <a:r>
-              <a:rPr lang="pl" sz="2800" b="0" i="0" u="none" strike="noStrike" cap="none" baseline="0">
+              <a:rPr lang="pl" sz="2100" b="0" i="0" u="none" strike="noStrike" cap="none" baseline="0" dirty="0">
                 <a:solidFill>
                   <a:schemeClr val="lt1"/>
                 </a:solidFill>
@@ -23343,7 +23615,7 @@
               <a:buSzPct val="25000"/>
             </a:pPr>
             <a:r>
-              <a:rPr lang="pl" sz="2800" b="0" i="0" u="none" strike="noStrike" cap="none" baseline="0">
+              <a:rPr lang="pl" sz="2100" b="0" i="0" u="none" strike="noStrike" cap="none" baseline="0" dirty="0">
                 <a:solidFill>
                   <a:schemeClr val="lt1"/>
                 </a:solidFill>
@@ -23355,7 +23627,7 @@
               <a:t>&gt;&gt;&gt; </a:t>
             </a:r>
             <a:r>
-              <a:rPr lang="pl" sz="2800" b="0" i="0" u="none" strike="noStrike" cap="none" baseline="0">
+              <a:rPr lang="pl" sz="2100" b="0" i="0" u="none" strike="noStrike" cap="none" baseline="0" dirty="0">
                 <a:solidFill>
                   <a:srgbClr val="FFFF00"/>
                 </a:solidFill>
@@ -23367,7 +23639,7 @@
               <a:t>print</a:t>
             </a:r>
             <a:r>
-              <a:rPr lang="pl" sz="2800" b="0" i="0" u="none" baseline="0">
+              <a:rPr lang="pl" sz="2100" b="0" i="0" u="none" baseline="0" dirty="0">
                 <a:solidFill>
                   <a:schemeClr val="lt1"/>
                 </a:solidFill>
@@ -23379,7 +23651,7 @@
               <a:t>(</a:t>
             </a:r>
             <a:r>
-              <a:rPr lang="pl" sz="2800" b="0" i="0" u="none" strike="noStrike" cap="none" baseline="0">
+              <a:rPr lang="pl" sz="2100" b="0" i="0" u="none" strike="noStrike" cap="none" baseline="0" dirty="0">
                 <a:solidFill>
                   <a:srgbClr val="FF7F00"/>
                 </a:solidFill>
@@ -23391,7 +23663,7 @@
               <a:t>['czerwony', 'żółty', 'niebieski']</a:t>
             </a:r>
             <a:r>
-              <a:rPr lang="pl" sz="2800" b="0" i="0" u="none" baseline="0">
+              <a:rPr lang="pl" sz="2100" b="0" i="0" u="none" baseline="0" dirty="0">
                 <a:solidFill>
                   <a:srgbClr val="FFFF00"/>
                 </a:solidFill>
@@ -23402,7 +23674,7 @@
               </a:rPr>
               <a:t>)</a:t>
             </a:r>
-            <a:endParaRPr lang="pl" sz="2800" i="0" u="none" strike="noStrike" cap="none" dirty="0">
+            <a:endParaRPr lang="pl" sz="2100" i="0" u="none" strike="noStrike" cap="none" dirty="0">
               <a:solidFill>
                 <a:srgbClr val="FF7F00"/>
               </a:solidFill>
@@ -23431,7 +23703,7 @@
               <a:buNone/>
             </a:pPr>
             <a:r>
-              <a:rPr lang="pl" sz="2800" b="0" i="0" u="none" strike="noStrike" cap="none" baseline="0">
+              <a:rPr lang="pl" sz="2100" b="0" i="0" u="none" strike="noStrike" cap="none" baseline="0" dirty="0">
                 <a:solidFill>
                   <a:schemeClr val="lt1"/>
                 </a:solidFill>
@@ -23451,7 +23723,7 @@
               <a:buSzPct val="25000"/>
             </a:pPr>
             <a:r>
-              <a:rPr lang="pl" sz="2800" b="0" i="0" u="none" strike="noStrike" cap="none" baseline="0">
+              <a:rPr lang="pl" sz="2100" b="0" i="0" u="none" strike="noStrike" cap="none" baseline="0" dirty="0">
                 <a:solidFill>
                   <a:schemeClr val="lt1"/>
                 </a:solidFill>
@@ -23463,7 +23735,7 @@
               <a:t>&gt;&gt;&gt; </a:t>
             </a:r>
             <a:r>
-              <a:rPr lang="pl" sz="2800" b="0" i="0" u="none" strike="noStrike" cap="none" baseline="0">
+              <a:rPr lang="pl" sz="2100" b="0" i="0" u="none" strike="noStrike" cap="none" baseline="0" dirty="0">
                 <a:solidFill>
                   <a:srgbClr val="FFFF00"/>
                 </a:solidFill>
@@ -23475,7 +23747,7 @@
               <a:t>print</a:t>
             </a:r>
             <a:r>
-              <a:rPr lang="pl" sz="2800" b="0" i="0" u="none" baseline="0">
+              <a:rPr lang="pl" sz="2100" b="0" i="0" u="none" baseline="0" dirty="0">
                 <a:solidFill>
                   <a:schemeClr val="lt1"/>
                 </a:solidFill>
@@ -23487,7 +23759,7 @@
               <a:t>(</a:t>
             </a:r>
             <a:r>
-              <a:rPr lang="pl" sz="2800" b="0" i="0" u="none" strike="noStrike" cap="none" baseline="0">
+              <a:rPr lang="pl" sz="2100" b="0" i="0" u="none" strike="noStrike" cap="none" baseline="0" dirty="0">
                 <a:solidFill>
                   <a:srgbClr val="FF7F00"/>
                 </a:solidFill>
@@ -23499,7 +23771,7 @@
               <a:t>['czerwony', 24, 98.6]</a:t>
             </a:r>
             <a:r>
-              <a:rPr lang="pl" sz="2800" b="0" i="0" u="none" baseline="0">
+              <a:rPr lang="pl" sz="2100" b="0" i="0" u="none" baseline="0" dirty="0">
                 <a:solidFill>
                   <a:srgbClr val="FFFF00"/>
                 </a:solidFill>
@@ -23510,7 +23782,7 @@
               </a:rPr>
               <a:t>)</a:t>
             </a:r>
-            <a:endParaRPr lang="pl" sz="2800" i="0" u="none" strike="noStrike" cap="none" dirty="0">
+            <a:endParaRPr lang="pl" sz="2100" i="0" u="none" strike="noStrike" cap="none" dirty="0">
               <a:solidFill>
                 <a:srgbClr val="FF7F00"/>
               </a:solidFill>
@@ -23539,18 +23811,18 @@
               <a:buNone/>
             </a:pPr>
             <a:r>
-              <a:rPr lang="pl" sz="2800" b="0" i="0" u="none" strike="noStrike" cap="none" baseline="0">
-                <a:solidFill>
-                  <a:schemeClr val="lt1"/>
-                </a:solidFill>
-                <a:latin typeface="Courier"/>
-                <a:ea typeface="Courier"/>
-                <a:cs typeface="Courier"/>
-                <a:sym typeface="Courier New"/>
-              </a:rPr>
-              <a:t>['czerwony', 24, 98.6]24 98.6 15</a:t>
-            </a:r>
-            <a:endParaRPr lang="pl" sz="2800" i="0" u="none" strike="noStrike" cap="none" dirty="0">
+              <a:rPr lang="pl" sz="2100" b="0" i="0" u="none" strike="noStrike" cap="none" baseline="0" dirty="0">
+                <a:solidFill>
+                  <a:schemeClr val="lt1"/>
+                </a:solidFill>
+                <a:latin typeface="Courier"/>
+                <a:ea typeface="Courier"/>
+                <a:cs typeface="Courier"/>
+                <a:sym typeface="Courier New"/>
+              </a:rPr>
+              <a:t>['czerwony', 24, 98.6]</a:t>
+            </a:r>
+            <a:endParaRPr lang="pl" sz="2100" i="0" u="none" strike="noStrike" cap="none" dirty="0">
               <a:solidFill>
                 <a:schemeClr val="lt1"/>
               </a:solidFill>
@@ -23568,7 +23840,7 @@
               <a:buSzPct val="25000"/>
             </a:pPr>
             <a:r>
-              <a:rPr lang="pl" sz="2800" b="0" i="0" u="none" strike="noStrike" cap="none" baseline="0">
+              <a:rPr lang="pl" sz="2100" b="0" i="0" u="none" strike="noStrike" cap="none" baseline="0" dirty="0">
                 <a:solidFill>
                   <a:schemeClr val="lt1"/>
                 </a:solidFill>
@@ -23580,7 +23852,7 @@
               <a:t>&gt;&gt;&gt; </a:t>
             </a:r>
             <a:r>
-              <a:rPr lang="pl" sz="2800" b="0" i="0" u="none" strike="noStrike" cap="none" baseline="0">
+              <a:rPr lang="pl" sz="2100" b="0" i="0" u="none" strike="noStrike" cap="none" baseline="0" dirty="0">
                 <a:solidFill>
                   <a:srgbClr val="FFFF00"/>
                 </a:solidFill>
@@ -23592,7 +23864,7 @@
               <a:t>print</a:t>
             </a:r>
             <a:r>
-              <a:rPr lang="pl" sz="2800" b="0" i="0" u="none" baseline="0">
+              <a:rPr lang="pl" sz="2100" b="0" i="0" u="none" baseline="0" dirty="0">
                 <a:solidFill>
                   <a:srgbClr val="FFFF00"/>
                 </a:solidFill>
@@ -23604,7 +23876,7 @@
               <a:t>(</a:t>
             </a:r>
             <a:r>
-              <a:rPr lang="pl" sz="2800" b="0" i="0" u="none" strike="noStrike" cap="none" baseline="0">
+              <a:rPr lang="pl" sz="2100" b="0" i="0" u="none" strike="noStrike" cap="none" baseline="0" dirty="0">
                 <a:solidFill>
                   <a:srgbClr val="FF7F00"/>
                 </a:solidFill>
@@ -23616,7 +23888,7 @@
               <a:t>[ 1, </a:t>
             </a:r>
             <a:r>
-              <a:rPr lang="pl" sz="2800" b="0" i="0" u="none" strike="noStrike" cap="none" baseline="0">
+              <a:rPr lang="pl" sz="2100" b="0" i="0" u="none" strike="noStrike" cap="none" baseline="0" dirty="0">
                 <a:solidFill>
                   <a:srgbClr val="00FFFF"/>
                 </a:solidFill>
@@ -23628,7 +23900,7 @@
               <a:t>[5, 6]</a:t>
             </a:r>
             <a:r>
-              <a:rPr lang="pl" sz="2800" b="0" i="0" u="none" strike="noStrike" cap="none" baseline="0">
+              <a:rPr lang="pl" sz="2100" b="0" i="0" u="none" strike="noStrike" cap="none" baseline="0" dirty="0">
                 <a:solidFill>
                   <a:srgbClr val="FF7F00"/>
                 </a:solidFill>
@@ -23640,7 +23912,7 @@
               <a:t>, 7]</a:t>
             </a:r>
             <a:r>
-              <a:rPr lang="pl" sz="2800" b="0" i="0" u="none" baseline="0">
+              <a:rPr lang="pl" sz="2100" b="0" i="0" u="none" baseline="0" dirty="0">
                 <a:solidFill>
                   <a:srgbClr val="FFFF00"/>
                 </a:solidFill>
@@ -23651,7 +23923,7 @@
               </a:rPr>
               <a:t>)</a:t>
             </a:r>
-            <a:endParaRPr lang="pl" sz="2800" i="0" u="none" strike="noStrike" cap="none" dirty="0">
+            <a:endParaRPr lang="pl" sz="2100" i="0" u="none" strike="noStrike" cap="none" dirty="0">
               <a:solidFill>
                 <a:srgbClr val="FF7F00"/>
               </a:solidFill>
@@ -23680,7 +23952,7 @@
               <a:buNone/>
             </a:pPr>
             <a:r>
-              <a:rPr lang="pl" sz="2800" b="0" i="0" u="none" strike="noStrike" cap="none" baseline="0">
+              <a:rPr lang="pl" sz="2100" b="0" i="0" u="none" strike="noStrike" cap="none" baseline="0" dirty="0">
                 <a:solidFill>
                   <a:schemeClr val="lt1"/>
                 </a:solidFill>
@@ -23700,7 +23972,7 @@
               <a:buSzPct val="25000"/>
             </a:pPr>
             <a:r>
-              <a:rPr lang="pl" sz="2800" b="0" i="0" u="none" strike="noStrike" cap="none" baseline="0">
+              <a:rPr lang="pl" sz="2100" b="0" i="0" u="none" strike="noStrike" cap="none" baseline="0" dirty="0">
                 <a:solidFill>
                   <a:schemeClr val="lt1"/>
                 </a:solidFill>
@@ -23712,7 +23984,7 @@
               <a:t>&gt;&gt;&gt; </a:t>
             </a:r>
             <a:r>
-              <a:rPr lang="pl" sz="2800" b="0" i="0" u="none" strike="noStrike" cap="none" baseline="0">
+              <a:rPr lang="pl" sz="2100" b="0" i="0" u="none" strike="noStrike" cap="none" baseline="0" dirty="0">
                 <a:solidFill>
                   <a:srgbClr val="FFFF00"/>
                 </a:solidFill>
@@ -23724,7 +23996,7 @@
               <a:t>print</a:t>
             </a:r>
             <a:r>
-              <a:rPr lang="pl" sz="2800" b="0" i="0" u="none" baseline="0">
+              <a:rPr lang="pl" sz="2100" b="0" i="0" u="none" baseline="0" dirty="0">
                 <a:solidFill>
                   <a:schemeClr val="lt1"/>
                 </a:solidFill>
@@ -23736,7 +24008,7 @@
               <a:t>(</a:t>
             </a:r>
             <a:r>
-              <a:rPr lang="pl" sz="2800" b="0" i="0" u="none" strike="noStrike" cap="none" baseline="0">
+              <a:rPr lang="pl" sz="2100" b="0" i="0" u="none" strike="noStrike" cap="none" baseline="0" dirty="0">
                 <a:solidFill>
                   <a:srgbClr val="FF7F00"/>
                 </a:solidFill>
@@ -23748,7 +24020,7 @@
               <a:t>[]</a:t>
             </a:r>
             <a:r>
-              <a:rPr lang="pl" sz="2800" b="0" i="0" u="none" baseline="0">
+              <a:rPr lang="pl" sz="2100" b="0" i="0" u="none" baseline="0" dirty="0">
                 <a:solidFill>
                   <a:srgbClr val="FFFF00"/>
                 </a:solidFill>
@@ -23759,7 +24031,7 @@
               </a:rPr>
               <a:t>)</a:t>
             </a:r>
-            <a:endParaRPr lang="pl" sz="2800" i="0" u="none" strike="noStrike" cap="none" dirty="0">
+            <a:endParaRPr lang="pl" sz="2100" i="0" u="none" strike="noStrike" cap="none" dirty="0">
               <a:solidFill>
                 <a:srgbClr val="FF7F00"/>
               </a:solidFill>
@@ -23788,7 +24060,7 @@
               <a:buNone/>
             </a:pPr>
             <a:r>
-              <a:rPr lang="pl" sz="2800" b="0" i="0" u="none" strike="noStrike" cap="none" baseline="0">
+              <a:rPr lang="pl" sz="2100" b="0" i="0" u="none" strike="noStrike" cap="none" baseline="0" dirty="0">
                 <a:solidFill>
                   <a:schemeClr val="lt1"/>
                 </a:solidFill>
@@ -23799,7 +24071,7 @@
               </a:rPr>
               <a:t>[]</a:t>
             </a:r>
-            <a:endParaRPr lang="pl" sz="2800" i="0" u="none" strike="noStrike" cap="none" dirty="0">
+            <a:endParaRPr lang="pl" sz="2100" i="0" u="none" strike="noStrike" cap="none" dirty="0">
               <a:solidFill>
                 <a:schemeClr val="lt1"/>
               </a:solidFill>
@@ -24518,8 +24790,8 @@
         </p:nvSpPr>
         <p:spPr>
           <a:xfrm>
-            <a:off x="1279124" y="3423163"/>
-            <a:ext cx="7280400" cy="2216099"/>
+            <a:off x="1279123" y="3423163"/>
+            <a:ext cx="8518019" cy="2216099"/>
           </a:xfrm>
           <a:prstGeom prst="rect">
             <a:avLst/>
@@ -24553,7 +24825,7 @@
               <a:buNone/>
             </a:pPr>
             <a:r>
-              <a:rPr lang="pl" sz="2400" b="0" i="0" u="none" strike="noStrike" cap="none" baseline="0">
+              <a:rPr lang="pl" sz="2400" b="0" i="0" u="none" strike="noStrike" cap="none" baseline="0" dirty="0">
                 <a:solidFill>
                   <a:srgbClr val="00FF00"/>
                 </a:solidFill>
@@ -24565,7 +24837,7 @@
               <a:t>friends</a:t>
             </a:r>
             <a:r>
-              <a:rPr lang="pl" sz="2400" b="0" i="0" u="none" strike="noStrike" cap="none" baseline="0">
+              <a:rPr lang="pl" sz="2400" b="0" i="0" u="none" strike="noStrike" cap="none" baseline="0" dirty="0">
                 <a:solidFill>
                   <a:schemeClr val="lt1"/>
                 </a:solidFill>
@@ -24577,7 +24849,7 @@
               <a:t> = </a:t>
             </a:r>
             <a:r>
-              <a:rPr lang="pl" sz="2400" b="0" i="0" u="none" strike="noStrike" cap="none" baseline="0">
+              <a:rPr lang="pl" sz="2400" b="0" i="0" u="none" strike="noStrike" cap="none" baseline="0" dirty="0">
                 <a:solidFill>
                   <a:srgbClr val="FF7F00"/>
                 </a:solidFill>
@@ -24608,7 +24880,7 @@
               <a:buNone/>
             </a:pPr>
             <a:r>
-              <a:rPr lang="pl" sz="2400" b="0" i="0" u="none" strike="noStrike" cap="none" baseline="0">
+              <a:rPr lang="pl" sz="2400" b="0" i="0" u="none" strike="noStrike" cap="none" baseline="0" dirty="0">
                 <a:solidFill>
                   <a:srgbClr val="FFFF00"/>
                 </a:solidFill>
@@ -24620,7 +24892,7 @@
               <a:t>for</a:t>
             </a:r>
             <a:r>
-              <a:rPr lang="pl" sz="2400" b="0" i="0" u="none" strike="noStrike" cap="none" baseline="0">
+              <a:rPr lang="pl" sz="2400" b="0" i="0" u="none" strike="noStrike" cap="none" baseline="0" dirty="0">
                 <a:solidFill>
                   <a:schemeClr val="lt1"/>
                 </a:solidFill>
@@ -24632,7 +24904,7 @@
               <a:t> </a:t>
             </a:r>
             <a:r>
-              <a:rPr lang="pl" sz="2400" b="0" i="0" u="none" strike="noStrike" cap="none" baseline="0">
+              <a:rPr lang="pl" sz="2400" b="0" i="0" u="none" strike="noStrike" cap="none" baseline="0" dirty="0">
                 <a:solidFill>
                   <a:srgbClr val="00FF00"/>
                 </a:solidFill>
@@ -24644,7 +24916,7 @@
               <a:t>friend</a:t>
             </a:r>
             <a:r>
-              <a:rPr lang="pl" sz="2400" b="0" i="0" u="none" strike="noStrike" cap="none" baseline="0">
+              <a:rPr lang="pl" sz="2400" b="0" i="0" u="none" strike="noStrike" cap="none" baseline="0" dirty="0">
                 <a:solidFill>
                   <a:schemeClr val="lt1"/>
                 </a:solidFill>
@@ -24656,7 +24928,7 @@
               <a:t> </a:t>
             </a:r>
             <a:r>
-              <a:rPr lang="pl" sz="2400" b="0" i="0" u="none" strike="noStrike" cap="none" baseline="0">
+              <a:rPr lang="pl" sz="2400" b="0" i="0" u="none" strike="noStrike" cap="none" baseline="0" dirty="0">
                 <a:solidFill>
                   <a:srgbClr val="FFFF00"/>
                 </a:solidFill>
@@ -24668,7 +24940,7 @@
               <a:t>in</a:t>
             </a:r>
             <a:r>
-              <a:rPr lang="pl" sz="2400" b="0" i="0" u="none" strike="noStrike" cap="none" baseline="0">
+              <a:rPr lang="pl" sz="2400" b="0" i="0" u="none" strike="noStrike" cap="none" baseline="0" dirty="0">
                 <a:solidFill>
                   <a:schemeClr val="lt1"/>
                 </a:solidFill>
@@ -24680,7 +24952,7 @@
               <a:t> </a:t>
             </a:r>
             <a:r>
-              <a:rPr lang="pl" sz="2400" b="0" i="0" u="none" strike="noStrike" cap="none" baseline="0">
+              <a:rPr lang="pl" sz="2400" b="0" i="0" u="none" strike="noStrike" cap="none" baseline="0" dirty="0">
                 <a:solidFill>
                   <a:srgbClr val="00FF00"/>
                 </a:solidFill>
@@ -24692,7 +24964,7 @@
               <a:t>friends</a:t>
             </a:r>
             <a:r>
-              <a:rPr lang="pl" sz="2400" b="0" i="0" u="none" strike="noStrike" cap="none" baseline="0">
+              <a:rPr lang="pl" sz="2400" b="0" i="0" u="none" strike="noStrike" cap="none" baseline="0" dirty="0">
                 <a:solidFill>
                   <a:schemeClr val="lt1"/>
                 </a:solidFill>
@@ -24712,19 +24984,43 @@
               <a:buSzPct val="25000"/>
             </a:pPr>
             <a:r>
-              <a:rPr lang="pl" sz="2400" b="0" i="0" u="none" strike="noStrike" cap="none" baseline="0">
-                <a:solidFill>
-                  <a:schemeClr val="lt1"/>
-                </a:solidFill>
-                <a:latin typeface="Courier"/>
-                <a:ea typeface="Courier"/>
-                <a:cs typeface="Courier"/>
-                <a:sym typeface="Courier New"/>
-              </a:rPr>
-              <a:t>   </a:t>
-            </a:r>
-            <a:r>
-              <a:rPr lang="pl" sz="2400" b="0" i="0" u="none" strike="noStrike" cap="none" baseline="0">
+              <a:rPr lang="pl" sz="2400" b="0" i="0" u="none" strike="noStrike" cap="none" baseline="0" dirty="0">
+                <a:solidFill>
+                  <a:schemeClr val="lt1"/>
+                </a:solidFill>
+                <a:latin typeface="Courier"/>
+                <a:ea typeface="Courier"/>
+                <a:cs typeface="Courier"/>
+                <a:sym typeface="Courier New"/>
+              </a:rPr>
+              <a:t>  </a:t>
+            </a:r>
+            <a:r>
+              <a:rPr lang="en-US" sz="2400" b="0" i="0" u="none" strike="noStrike" cap="none" baseline="0" dirty="0">
+                <a:solidFill>
+                  <a:schemeClr val="lt1"/>
+                </a:solidFill>
+                <a:latin typeface="Courier"/>
+                <a:ea typeface="Courier"/>
+                <a:cs typeface="Courier"/>
+                <a:sym typeface="Courier New"/>
+              </a:rPr>
+              <a:t> </a:t>
+            </a:r>
+            <a:r>
+              <a:rPr lang="pl" sz="2400" b="0" i="0" u="none" strike="noStrike" cap="none" baseline="0" dirty="0">
+                <a:solidFill>
+                  <a:schemeClr val="lt1"/>
+                </a:solidFill>
+                <a:latin typeface="Courier"/>
+                <a:ea typeface="Courier"/>
+                <a:cs typeface="Courier"/>
+                <a:sym typeface="Courier New"/>
+              </a:rPr>
+              <a:t> </a:t>
+            </a:r>
+            <a:r>
+              <a:rPr lang="pl" sz="2400" b="0" i="0" u="none" strike="noStrike" cap="none" baseline="0" dirty="0">
                 <a:solidFill>
                   <a:srgbClr val="FFFF00"/>
                 </a:solidFill>
@@ -24736,7 +25032,7 @@
               <a:t>print(</a:t>
             </a:r>
             <a:r>
-              <a:rPr lang="pl" sz="2400" b="0" i="0" u="none" strike="noStrike" cap="none" baseline="0">
+              <a:rPr lang="pl" sz="2400" b="0" i="0" u="none" strike="noStrike" cap="none" baseline="0" dirty="0">
                 <a:solidFill>
                   <a:srgbClr val="FF7F00"/>
                 </a:solidFill>
@@ -24748,7 +25044,7 @@
               <a:t>'Szczęśliwego Nowego Roku:'</a:t>
             </a:r>
             <a:r>
-              <a:rPr lang="pl" sz="2400" b="0" i="0" u="none" strike="noStrike" cap="none" baseline="0">
+              <a:rPr lang="pl" sz="2400" b="0" i="0" u="none" strike="noStrike" cap="none" baseline="0" dirty="0">
                 <a:solidFill>
                   <a:schemeClr val="lt1"/>
                 </a:solidFill>
@@ -24760,7 +25056,7 @@
               <a:t>, </a:t>
             </a:r>
             <a:r>
-              <a:rPr lang="pl" sz="2400" b="0" i="0" u="none" strike="noStrike" cap="none" baseline="0">
+              <a:rPr lang="pl" sz="2400" b="0" i="0" u="none" strike="noStrike" cap="none" baseline="0" dirty="0">
                 <a:solidFill>
                   <a:srgbClr val="00FF00"/>
                 </a:solidFill>
@@ -24772,7 +25068,7 @@
               <a:t>friend</a:t>
             </a:r>
             <a:r>
-              <a:rPr lang="pl" sz="2400" b="0" i="0" u="none" baseline="0">
+              <a:rPr lang="pl" sz="2400" b="0" i="0" u="none" baseline="0" dirty="0">
                 <a:solidFill>
                   <a:srgbClr val="FFFF00"/>
                 </a:solidFill>
@@ -24801,7 +25097,7 @@
               <a:buSzPct val="25000"/>
             </a:pPr>
             <a:r>
-              <a:rPr lang="pl" sz="2400" b="0" i="0" u="none" strike="noStrike" cap="none" baseline="0">
+              <a:rPr lang="pl" sz="2400" b="0" i="0" u="none" strike="noStrike" cap="none" baseline="0" dirty="0">
                 <a:solidFill>
                   <a:srgbClr val="FFFF00"/>
                 </a:solidFill>
@@ -24813,7 +25109,7 @@
               <a:t>print</a:t>
             </a:r>
             <a:r>
-              <a:rPr lang="pl" sz="2400" b="0" i="0" u="none" baseline="0">
+              <a:rPr lang="pl" sz="2400" b="0" i="0" u="none" baseline="0" dirty="0">
                 <a:solidFill>
                   <a:schemeClr val="lt1"/>
                 </a:solidFill>
@@ -24825,7 +25121,7 @@
               <a:t>(</a:t>
             </a:r>
             <a:r>
-              <a:rPr lang="pl" sz="2400" b="0" i="0" u="none" strike="noStrike" cap="none" baseline="0">
+              <a:rPr lang="pl" sz="2400" b="0" i="0" u="none" strike="noStrike" cap="none" baseline="0" dirty="0">
                 <a:solidFill>
                   <a:srgbClr val="FF7F00"/>
                 </a:solidFill>
@@ -25001,13 +25297,15 @@
       <p:cxnSp>
         <p:nvCxnSpPr>
           <p:cNvPr id="206" name="Shape 206"/>
-          <p:cNvCxnSpPr/>
+          <p:cNvCxnSpPr>
+            <a:cxnSpLocks/>
+          </p:cNvCxnSpPr>
           <p:nvPr/>
         </p:nvCxnSpPr>
         <p:spPr>
           <a:xfrm flipH="1">
-            <a:off x="8443912" y="4353475"/>
-            <a:ext cx="1986512" cy="318538"/>
+            <a:off x="9797142" y="4353475"/>
+            <a:ext cx="633282" cy="318538"/>
           </a:xfrm>
           <a:prstGeom prst="straightConnector1">
             <a:avLst/>
@@ -25034,8 +25332,8 @@
         </p:nvCxnSpPr>
         <p:spPr>
           <a:xfrm flipH="1" flipV="1">
-            <a:off x="8464060" y="4672014"/>
-            <a:ext cx="1961138" cy="488149"/>
+            <a:off x="9797142" y="4672013"/>
+            <a:ext cx="628056" cy="488152"/>
           </a:xfrm>
           <a:prstGeom prst="straightConnector1">
             <a:avLst/>
@@ -25062,8 +25360,8 @@
         </p:nvCxnSpPr>
         <p:spPr>
           <a:xfrm flipH="1" flipV="1">
-            <a:off x="3904400" y="5160164"/>
-            <a:ext cx="6520798" cy="310750"/>
+            <a:off x="4692112" y="5160164"/>
+            <a:ext cx="5733086" cy="310750"/>
           </a:xfrm>
           <a:prstGeom prst="straightConnector1">
             <a:avLst/>
@@ -25088,8 +25386,8 @@
         </p:nvSpPr>
         <p:spPr>
           <a:xfrm>
-            <a:off x="1279124" y="5997591"/>
-            <a:ext cx="7280400" cy="2216099"/>
+            <a:off x="1279123" y="5997591"/>
+            <a:ext cx="7835847" cy="2216099"/>
           </a:xfrm>
           <a:prstGeom prst="rect">
             <a:avLst/>
@@ -26300,7 +26598,7 @@
               <a:buNone/>
             </a:pPr>
             <a:r>
-              <a:rPr lang="pl" sz="7600" b="0" i="0" u="none" strike="noStrike" cap="none" baseline="0">
+              <a:rPr lang="pl" sz="7600" b="0" i="0" u="none" strike="noStrike" cap="none" baseline="0" dirty="0">
                 <a:solidFill>
                   <a:srgbClr val="FFD966"/>
                 </a:solidFill>
@@ -26677,7 +26975,7 @@
               <a:buNone/>
             </a:pPr>
             <a:r>
-              <a:rPr lang="pl" sz="2400" b="0" i="0" u="none" strike="noStrike" cap="none" baseline="0">
+              <a:rPr lang="pl" sz="2400" b="0" i="0" u="none" strike="noStrike" cap="none" baseline="0" dirty="0">
                 <a:solidFill>
                   <a:schemeClr val="lt1"/>
                 </a:solidFill>
@@ -26689,7 +26987,7 @@
               <a:t>&gt;&gt;&gt; </a:t>
             </a:r>
             <a:r>
-              <a:rPr lang="pl" sz="2400" b="0" i="0" u="none" strike="noStrike" cap="none" baseline="0">
+              <a:rPr lang="pl" sz="2400" b="0" i="0" u="none" strike="noStrike" cap="none" baseline="0" dirty="0">
                 <a:solidFill>
                   <a:srgbClr val="00FF00"/>
                 </a:solidFill>
@@ -26701,19 +26999,19 @@
               <a:t>fruit</a:t>
             </a:r>
             <a:r>
-              <a:rPr lang="pl" sz="2400" b="0" i="0" u="none" strike="noStrike" cap="none" baseline="0">
-                <a:solidFill>
-                  <a:schemeClr val="lt1"/>
-                </a:solidFill>
-                <a:latin typeface="Courier"/>
-                <a:ea typeface="Courier"/>
-                <a:cs typeface="Courier"/>
-                <a:sym typeface="Courier New"/>
-              </a:rPr>
-              <a:t> = 'Banana</a:t>
-            </a:r>
-            <a:r>
-              <a:rPr lang="pl" sz="2400" b="0" i="0" u="none" baseline="0">
+              <a:rPr lang="pl" sz="2400" b="0" i="0" u="none" strike="noStrike" cap="none" baseline="0" dirty="0">
+                <a:solidFill>
+                  <a:schemeClr val="lt1"/>
+                </a:solidFill>
+                <a:latin typeface="Courier"/>
+                <a:ea typeface="Courier"/>
+                <a:cs typeface="Courier"/>
+                <a:sym typeface="Courier New"/>
+              </a:rPr>
+              <a:t> = 'Banan</a:t>
+            </a:r>
+            <a:r>
+              <a:rPr lang="pl" sz="2400" b="0" i="0" u="none" baseline="0" dirty="0">
                 <a:solidFill>
                   <a:schemeClr val="lt1"/>
                 </a:solidFill>
@@ -26744,7 +27042,7 @@
               <a:buNone/>
             </a:pPr>
             <a:r>
-              <a:rPr lang="pl" sz="2400" b="0" i="0" u="none" strike="noStrike" cap="none" baseline="0">
+              <a:rPr lang="pl" sz="2400" b="0" i="0" u="none" strike="noStrike" cap="none" baseline="0" dirty="0">
                 <a:solidFill>
                   <a:schemeClr val="lt1"/>
                 </a:solidFill>
@@ -26756,7 +27054,7 @@
               <a:t>&gt;&gt;&gt; </a:t>
             </a:r>
             <a:r>
-              <a:rPr lang="pl" sz="2400" b="0" i="0" u="none" strike="noStrike" cap="none" baseline="0">
+              <a:rPr lang="pl" sz="2400" b="0" i="0" u="none" strike="noStrike" cap="none" baseline="0" dirty="0">
                 <a:solidFill>
                   <a:srgbClr val="00FF00"/>
                 </a:solidFill>
@@ -26768,7 +27066,7 @@
               <a:t>fruit</a:t>
             </a:r>
             <a:r>
-              <a:rPr lang="pl" sz="2400" b="0" i="0" u="none" strike="noStrike" cap="none" baseline="0">
+              <a:rPr lang="pl" sz="2400" b="0" i="0" u="none" strike="noStrike" cap="none" baseline="0" dirty="0">
                 <a:solidFill>
                   <a:srgbClr val="00FFFF"/>
                 </a:solidFill>
@@ -26780,7 +27078,7 @@
               <a:t>[</a:t>
             </a:r>
             <a:r>
-              <a:rPr lang="pl" sz="2400" b="0" i="0" u="none" strike="noStrike" cap="none" baseline="0">
+              <a:rPr lang="pl" sz="2400" b="0" i="0" u="none" strike="noStrike" cap="none" baseline="0" dirty="0">
                 <a:solidFill>
                   <a:schemeClr val="lt1"/>
                 </a:solidFill>
@@ -26792,7 +27090,7 @@
               <a:t>0</a:t>
             </a:r>
             <a:r>
-              <a:rPr lang="pl" sz="2400" b="0" i="0" u="none" strike="noStrike" cap="none" baseline="0">
+              <a:rPr lang="pl" sz="2400" b="0" i="0" u="none" strike="noStrike" cap="none" baseline="0" dirty="0">
                 <a:solidFill>
                   <a:srgbClr val="00FFFF"/>
                 </a:solidFill>
@@ -26804,7 +27102,7 @@
               <a:t>]</a:t>
             </a:r>
             <a:r>
-              <a:rPr lang="pl" sz="2400" b="0" i="0" u="none" strike="noStrike" cap="none" baseline="0">
+              <a:rPr lang="pl" sz="2400" b="0" i="0" u="none" strike="noStrike" cap="none" baseline="0" dirty="0">
                 <a:solidFill>
                   <a:schemeClr val="lt1"/>
                 </a:solidFill>
@@ -26816,7 +27114,7 @@
               <a:t> = 'b</a:t>
             </a:r>
             <a:r>
-              <a:rPr lang="pl" sz="2400" b="0" i="0" u="none" baseline="0">
+              <a:rPr lang="pl" sz="2400" b="0" i="0" u="none" baseline="0" dirty="0">
                 <a:solidFill>
                   <a:schemeClr val="lt1"/>
                 </a:solidFill>
@@ -26847,7 +27145,7 @@
               <a:buNone/>
             </a:pPr>
             <a:r>
-              <a:rPr lang="pl" sz="2400" b="0" i="0" u="none" strike="noStrike" cap="none" baseline="0">
+              <a:rPr lang="pl" sz="2400" b="0" i="0" u="none" strike="noStrike" cap="none" baseline="0" dirty="0">
                 <a:solidFill>
                   <a:srgbClr val="E06666"/>
                 </a:solidFill>
@@ -26878,7 +27176,7 @@
               <a:buNone/>
             </a:pPr>
             <a:r>
-              <a:rPr lang="pl" sz="2400" b="0" i="0" u="none" strike="noStrike" cap="none" baseline="0">
+              <a:rPr lang="pl" sz="2400" b="0" i="0" u="none" strike="noStrike" cap="none" baseline="0" dirty="0">
                 <a:solidFill>
                   <a:srgbClr val="E06666"/>
                 </a:solidFill>
@@ -26909,7 +27207,7 @@
               <a:buNone/>
             </a:pPr>
             <a:r>
-              <a:rPr lang="pl" sz="2400" b="0" i="0" u="none" strike="noStrike" cap="none" baseline="0">
+              <a:rPr lang="pl" sz="2400" b="0" i="0" u="none" strike="noStrike" cap="none" baseline="0" dirty="0">
                 <a:solidFill>
                   <a:srgbClr val="E06666"/>
                 </a:solidFill>
@@ -26940,7 +27238,7 @@
               <a:buNone/>
             </a:pPr>
             <a:r>
-              <a:rPr lang="pl" sz="2400" b="0" i="0" u="none" strike="noStrike" cap="none" baseline="0">
+              <a:rPr lang="pl" sz="2400" b="0" i="0" u="none" strike="noStrike" cap="none" baseline="0" dirty="0">
                 <a:solidFill>
                   <a:schemeClr val="lt1"/>
                 </a:solidFill>
@@ -26952,7 +27250,7 @@
               <a:t>&gt;&gt;&gt; </a:t>
             </a:r>
             <a:r>
-              <a:rPr lang="pl" sz="2400" b="0" i="0" u="none" strike="noStrike" cap="none" baseline="0">
+              <a:rPr lang="pl" sz="2400" b="0" i="0" u="none" strike="noStrike" cap="none" baseline="0" dirty="0">
                 <a:solidFill>
                   <a:srgbClr val="00FF00"/>
                 </a:solidFill>
@@ -26964,7 +27262,7 @@
               <a:t>x</a:t>
             </a:r>
             <a:r>
-              <a:rPr lang="pl" sz="2400" b="0" i="0" u="none" strike="noStrike" cap="none" baseline="0">
+              <a:rPr lang="pl" sz="2400" b="0" i="0" u="none" strike="noStrike" cap="none" baseline="0" dirty="0">
                 <a:solidFill>
                   <a:schemeClr val="lt1"/>
                 </a:solidFill>
@@ -26976,7 +27274,7 @@
               <a:t> = </a:t>
             </a:r>
             <a:r>
-              <a:rPr lang="pl" sz="2400" b="0" i="0" u="none" strike="noStrike" cap="none" baseline="0">
+              <a:rPr lang="pl" sz="2400" b="0" i="0" u="none" strike="noStrike" cap="none" baseline="0" dirty="0">
                 <a:solidFill>
                   <a:srgbClr val="00FF00"/>
                 </a:solidFill>
@@ -26988,7 +27286,7 @@
               <a:t>fruit</a:t>
             </a:r>
             <a:r>
-              <a:rPr lang="pl" sz="2400" b="0" i="0" u="none" strike="noStrike" cap="none" baseline="0">
+              <a:rPr lang="pl" sz="2400" b="0" i="0" u="none" strike="noStrike" cap="none" baseline="0" dirty="0">
                 <a:solidFill>
                   <a:srgbClr val="FF00FF"/>
                 </a:solidFill>
@@ -27000,7 +27298,7 @@
               <a:t>.lower</a:t>
             </a:r>
             <a:r>
-              <a:rPr lang="pl" sz="2400" b="0" i="0" u="none" strike="noStrike" cap="none" baseline="0">
+              <a:rPr lang="pl" sz="2400" b="0" i="0" u="none" strike="noStrike" cap="none" baseline="0" dirty="0">
                 <a:solidFill>
                   <a:schemeClr val="lt1"/>
                 </a:solidFill>
@@ -27031,7 +27329,7 @@
               <a:buNone/>
             </a:pPr>
             <a:r>
-              <a:rPr lang="pl" sz="2400" b="0" i="0" u="none" strike="noStrike" cap="none" baseline="0">
+              <a:rPr lang="pl" sz="2400" b="0" i="0" u="none" strike="noStrike" cap="none" baseline="0" dirty="0">
                 <a:solidFill>
                   <a:schemeClr val="lt1"/>
                 </a:solidFill>
@@ -27043,7 +27341,7 @@
               <a:t>&gt;&gt;&gt; </a:t>
             </a:r>
             <a:r>
-              <a:rPr lang="pl" sz="2400" b="0" i="0" u="none" strike="noStrike" cap="none" baseline="0">
+              <a:rPr lang="pl" sz="2400" b="0" i="0" u="none" strike="noStrike" cap="none" baseline="0" dirty="0">
                 <a:solidFill>
                   <a:srgbClr val="FFFF00"/>
                 </a:solidFill>
@@ -27055,7 +27353,7 @@
               <a:t>print(</a:t>
             </a:r>
             <a:r>
-              <a:rPr lang="pl" sz="2400" b="0" i="0" u="none" strike="noStrike" cap="none" baseline="0">
+              <a:rPr lang="pl" sz="2400" b="0" i="0" u="none" strike="noStrike" cap="none" baseline="0" dirty="0">
                 <a:solidFill>
                   <a:srgbClr val="00FF00"/>
                 </a:solidFill>
@@ -27067,7 +27365,7 @@
               <a:t>x</a:t>
             </a:r>
             <a:r>
-              <a:rPr lang="pl" sz="2400" b="0" i="0" u="none" strike="noStrike" cap="none" baseline="0">
+              <a:rPr lang="pl" sz="2400" b="0" i="0" u="none" strike="noStrike" cap="none" baseline="0" dirty="0">
                 <a:solidFill>
                   <a:srgbClr val="FFFF00"/>
                 </a:solidFill>
@@ -27107,16 +27405,16 @@
               <a:buNone/>
             </a:pPr>
             <a:r>
-              <a:rPr lang="pl" sz="2400" b="0" i="0" u="none" strike="noStrike" cap="none" baseline="0">
-                <a:solidFill>
-                  <a:schemeClr val="lt1"/>
-                </a:solidFill>
-                <a:latin typeface="Courier"/>
-                <a:ea typeface="Courier"/>
-                <a:cs typeface="Courier"/>
-                <a:sym typeface="Courier New"/>
-              </a:rPr>
-              <a:t>banana</a:t>
+              <a:rPr lang="pl" sz="2400" b="0" i="0" u="none" strike="noStrike" cap="none" baseline="0" dirty="0">
+                <a:solidFill>
+                  <a:schemeClr val="lt1"/>
+                </a:solidFill>
+                <a:latin typeface="Courier"/>
+                <a:ea typeface="Courier"/>
+                <a:cs typeface="Courier"/>
+                <a:sym typeface="Courier New"/>
+              </a:rPr>
+              <a:t>banan</a:t>
             </a:r>
           </a:p>
           <a:p>
@@ -27138,7 +27436,7 @@
               <a:buNone/>
             </a:pPr>
             <a:r>
-              <a:rPr lang="pl" sz="2400" b="0" i="0" u="none" strike="noStrike" cap="none" baseline="0">
+              <a:rPr lang="pl" sz="2400" b="0" i="0" u="none" strike="noStrike" cap="none" baseline="0" dirty="0">
                 <a:solidFill>
                   <a:schemeClr val="lt1"/>
                 </a:solidFill>
@@ -27150,7 +27448,7 @@
               <a:t>&gt;&gt;&gt; </a:t>
             </a:r>
             <a:r>
-              <a:rPr lang="pl" sz="2400" b="0" i="0" u="none" strike="noStrike" cap="none" baseline="0">
+              <a:rPr lang="pl" sz="2400" b="0" i="0" u="none" strike="noStrike" cap="none" baseline="0" dirty="0">
                 <a:solidFill>
                   <a:srgbClr val="00FF00"/>
                 </a:solidFill>
@@ -27162,7 +27460,7 @@
               <a:t>lotto</a:t>
             </a:r>
             <a:r>
-              <a:rPr lang="pl" sz="2400" b="0" i="0" u="none" strike="noStrike" cap="none" baseline="0">
+              <a:rPr lang="pl" sz="2400" b="0" i="0" u="none" strike="noStrike" cap="none" baseline="0" dirty="0">
                 <a:solidFill>
                   <a:schemeClr val="lt1"/>
                 </a:solidFill>
@@ -27174,7 +27472,7 @@
               <a:t> = </a:t>
             </a:r>
             <a:r>
-              <a:rPr lang="pl" sz="2400" b="0" i="0" u="none" strike="noStrike" cap="none" baseline="0">
+              <a:rPr lang="pl" sz="2400" b="0" i="0" u="none" strike="noStrike" cap="none" baseline="0" dirty="0">
                 <a:solidFill>
                   <a:srgbClr val="FF7F00"/>
                 </a:solidFill>
@@ -27194,7 +27492,7 @@
               <a:buSzPct val="25000"/>
             </a:pPr>
             <a:r>
-              <a:rPr lang="pl" sz="2400" b="0" i="0" u="none" strike="noStrike" cap="none" baseline="0">
+              <a:rPr lang="pl" sz="2400" b="0" i="0" u="none" strike="noStrike" cap="none" baseline="0" dirty="0">
                 <a:solidFill>
                   <a:schemeClr val="lt1"/>
                 </a:solidFill>
@@ -27206,7 +27504,7 @@
               <a:t>&gt;&gt;&gt; </a:t>
             </a:r>
             <a:r>
-              <a:rPr lang="pl" sz="2400" b="0" i="0" u="none" strike="noStrike" cap="none" baseline="0">
+              <a:rPr lang="pl" sz="2400" b="0" i="0" u="none" strike="noStrike" cap="none" baseline="0" dirty="0">
                 <a:solidFill>
                   <a:srgbClr val="FFFF00"/>
                 </a:solidFill>
@@ -27218,7 +27516,7 @@
               <a:t>print(</a:t>
             </a:r>
             <a:r>
-              <a:rPr lang="pl" sz="2400" b="0" i="0" u="none" strike="noStrike" cap="none" baseline="0">
+              <a:rPr lang="pl" sz="2400" b="0" i="0" u="none" strike="noStrike" cap="none" baseline="0" dirty="0">
                 <a:solidFill>
                   <a:srgbClr val="00FF00"/>
                 </a:solidFill>
@@ -27230,7 +27528,7 @@
               <a:t>lotto</a:t>
             </a:r>
             <a:r>
-              <a:rPr lang="pl" sz="2400" b="0" i="0" u="none" baseline="0">
+              <a:rPr lang="pl" sz="2400" b="0" i="0" u="none" baseline="0" dirty="0">
                 <a:solidFill>
                   <a:srgbClr val="FFFF00"/>
                 </a:solidFill>
@@ -27270,7 +27568,7 @@
               <a:buNone/>
             </a:pPr>
             <a:r>
-              <a:rPr lang="pl" sz="2400" b="0" i="0" u="none" strike="noStrike" cap="none" baseline="0">
+              <a:rPr lang="pl" sz="2400" b="0" i="0" u="none" strike="noStrike" cap="none" baseline="0" dirty="0">
                 <a:solidFill>
                   <a:schemeClr val="lt1"/>
                 </a:solidFill>
@@ -27301,7 +27599,7 @@
               <a:buNone/>
             </a:pPr>
             <a:r>
-              <a:rPr lang="pl" sz="2400" b="0" i="0" u="none" strike="noStrike" cap="none" baseline="0">
+              <a:rPr lang="pl" sz="2400" b="0" i="0" u="none" strike="noStrike" cap="none" baseline="0" dirty="0">
                 <a:solidFill>
                   <a:schemeClr val="lt1"/>
                 </a:solidFill>
@@ -27313,7 +27611,7 @@
               <a:t>&gt;&gt;&gt; </a:t>
             </a:r>
             <a:r>
-              <a:rPr lang="pl" sz="2400" b="0" i="0" u="none" strike="noStrike" cap="none" baseline="0">
+              <a:rPr lang="pl" sz="2400" b="0" i="0" u="none" strike="noStrike" cap="none" baseline="0" dirty="0">
                 <a:solidFill>
                   <a:srgbClr val="00FF00"/>
                 </a:solidFill>
@@ -27325,7 +27623,7 @@
               <a:t>lotto</a:t>
             </a:r>
             <a:r>
-              <a:rPr lang="pl" sz="2400" b="0" i="0" u="none" strike="noStrike" cap="none" baseline="0">
+              <a:rPr lang="pl" sz="2400" b="0" i="0" u="none" strike="noStrike" cap="none" baseline="0" dirty="0">
                 <a:solidFill>
                   <a:srgbClr val="00FFFF"/>
                 </a:solidFill>
@@ -27337,7 +27635,7 @@
               <a:t>[</a:t>
             </a:r>
             <a:r>
-              <a:rPr lang="pl" sz="2400" b="0" i="0" u="none" strike="noStrike" cap="none" baseline="0">
+              <a:rPr lang="pl" sz="2400" b="0" i="0" u="none" strike="noStrike" cap="none" baseline="0" dirty="0">
                 <a:solidFill>
                   <a:schemeClr val="lt1"/>
                 </a:solidFill>
@@ -27349,7 +27647,7 @@
               <a:t>2</a:t>
             </a:r>
             <a:r>
-              <a:rPr lang="pl" sz="2400" b="0" i="0" u="none" strike="noStrike" cap="none" baseline="0">
+              <a:rPr lang="pl" sz="2400" b="0" i="0" u="none" strike="noStrike" cap="none" baseline="0" dirty="0">
                 <a:solidFill>
                   <a:srgbClr val="00FFFF"/>
                 </a:solidFill>
@@ -27361,7 +27659,7 @@
               <a:t>]</a:t>
             </a:r>
             <a:r>
-              <a:rPr lang="pl" sz="2400" b="0" i="0" u="none" strike="noStrike" cap="none" baseline="0">
+              <a:rPr lang="pl" sz="2400" b="0" i="0" u="none" strike="noStrike" cap="none" baseline="0" dirty="0">
                 <a:solidFill>
                   <a:schemeClr val="lt1"/>
                 </a:solidFill>
@@ -27381,7 +27679,7 @@
               <a:buSzPct val="25000"/>
             </a:pPr>
             <a:r>
-              <a:rPr lang="pl" sz="2400" b="0" i="0" u="none" strike="noStrike" cap="none" baseline="0">
+              <a:rPr lang="pl" sz="2400" b="0" i="0" u="none" strike="noStrike" cap="none" baseline="0" dirty="0">
                 <a:solidFill>
                   <a:schemeClr val="lt1"/>
                 </a:solidFill>
@@ -27393,7 +27691,7 @@
               <a:t>&gt;&gt;&gt; </a:t>
             </a:r>
             <a:r>
-              <a:rPr lang="pl" sz="2400" b="0" i="0" u="none" strike="noStrike" cap="none" baseline="0">
+              <a:rPr lang="pl" sz="2400" b="0" i="0" u="none" strike="noStrike" cap="none" baseline="0" dirty="0">
                 <a:solidFill>
                   <a:srgbClr val="FFFF00"/>
                 </a:solidFill>
@@ -27405,7 +27703,7 @@
               <a:t>print(</a:t>
             </a:r>
             <a:r>
-              <a:rPr lang="pl" sz="2400" b="0" i="0" u="none" strike="noStrike" cap="none" baseline="0">
+              <a:rPr lang="pl" sz="2400" b="0" i="0" u="none" strike="noStrike" cap="none" baseline="0" dirty="0">
                 <a:solidFill>
                   <a:srgbClr val="00FF00"/>
                 </a:solidFill>
@@ -27417,7 +27715,7 @@
               <a:t>lotto</a:t>
             </a:r>
             <a:r>
-              <a:rPr lang="pl" sz="2400" b="0" i="0" u="none" baseline="0">
+              <a:rPr lang="pl" sz="2400" b="0" i="0" u="none" baseline="0" dirty="0">
                 <a:solidFill>
                   <a:srgbClr val="FFFF00"/>
                 </a:solidFill>
@@ -27457,7 +27755,7 @@
               <a:buNone/>
             </a:pPr>
             <a:r>
-              <a:rPr lang="pl" sz="2400" b="0" i="0" u="none" strike="noStrike" cap="none" baseline="0">
+              <a:rPr lang="pl" sz="2400" b="0" i="0" u="none" strike="noStrike" cap="none" baseline="0" dirty="0">
                 <a:solidFill>
                   <a:schemeClr val="lt1"/>
                 </a:solidFill>
@@ -27469,7 +27767,7 @@
               <a:t>[2, 14, </a:t>
             </a:r>
             <a:r>
-              <a:rPr lang="pl" sz="2400" b="0" i="0" u="none" strike="noStrike" cap="none" baseline="0">
+              <a:rPr lang="pl" sz="2400" b="0" i="0" u="none" strike="noStrike" cap="none" baseline="0" dirty="0">
                 <a:solidFill>
                   <a:srgbClr val="FF00FF"/>
                 </a:solidFill>
@@ -27481,7 +27779,7 @@
               <a:t>28</a:t>
             </a:r>
             <a:r>
-              <a:rPr lang="pl" sz="2400" b="0" i="0" u="none" strike="noStrike" cap="none" baseline="0">
+              <a:rPr lang="pl" sz="2400" b="0" i="0" u="none" strike="noStrike" cap="none" baseline="0" dirty="0">
                 <a:solidFill>
                   <a:schemeClr val="lt1"/>
                 </a:solidFill>
